--- a/Milestone/architecture.pptx
+++ b/Milestone/architecture.pptx
@@ -105,6 +105,11 @@
       </a:defRPr>
     </a:lvl9pPr>
   </p:defaultTextStyle>
+  <p:extLst>
+    <p:ext uri="{EFAFB233-063F-42B5-8137-9DF3F51BA10A}">
+      <p15:sldGuideLst xmlns:p15="http://schemas.microsoft.com/office/powerpoint/2012/main"/>
+    </p:ext>
+  </p:extLst>
 </p:presentation>
 </file>
 
@@ -255,7 +260,7 @@
           <a:p>
             <a:fld id="{6D8B6B5B-7382-4801-A41C-096207E4DAC8}" type="datetimeFigureOut">
               <a:rPr lang="ko-KR" altLang="en-US" smtClean="0"/>
-              <a:t>2022-04-25</a:t>
+              <a:t>2022-05-09</a:t>
             </a:fld>
             <a:endParaRPr lang="ko-KR" altLang="en-US"/>
           </a:p>
@@ -453,7 +458,7 @@
           <a:p>
             <a:fld id="{6D8B6B5B-7382-4801-A41C-096207E4DAC8}" type="datetimeFigureOut">
               <a:rPr lang="ko-KR" altLang="en-US" smtClean="0"/>
-              <a:t>2022-04-25</a:t>
+              <a:t>2022-05-09</a:t>
             </a:fld>
             <a:endParaRPr lang="ko-KR" altLang="en-US"/>
           </a:p>
@@ -661,7 +666,7 @@
           <a:p>
             <a:fld id="{6D8B6B5B-7382-4801-A41C-096207E4DAC8}" type="datetimeFigureOut">
               <a:rPr lang="ko-KR" altLang="en-US" smtClean="0"/>
-              <a:t>2022-04-25</a:t>
+              <a:t>2022-05-09</a:t>
             </a:fld>
             <a:endParaRPr lang="ko-KR" altLang="en-US"/>
           </a:p>
@@ -859,7 +864,7 @@
           <a:p>
             <a:fld id="{6D8B6B5B-7382-4801-A41C-096207E4DAC8}" type="datetimeFigureOut">
               <a:rPr lang="ko-KR" altLang="en-US" smtClean="0"/>
-              <a:t>2022-04-25</a:t>
+              <a:t>2022-05-09</a:t>
             </a:fld>
             <a:endParaRPr lang="ko-KR" altLang="en-US"/>
           </a:p>
@@ -1134,7 +1139,7 @@
           <a:p>
             <a:fld id="{6D8B6B5B-7382-4801-A41C-096207E4DAC8}" type="datetimeFigureOut">
               <a:rPr lang="ko-KR" altLang="en-US" smtClean="0"/>
-              <a:t>2022-04-25</a:t>
+              <a:t>2022-05-09</a:t>
             </a:fld>
             <a:endParaRPr lang="ko-KR" altLang="en-US"/>
           </a:p>
@@ -1399,7 +1404,7 @@
           <a:p>
             <a:fld id="{6D8B6B5B-7382-4801-A41C-096207E4DAC8}" type="datetimeFigureOut">
               <a:rPr lang="ko-KR" altLang="en-US" smtClean="0"/>
-              <a:t>2022-04-25</a:t>
+              <a:t>2022-05-09</a:t>
             </a:fld>
             <a:endParaRPr lang="ko-KR" altLang="en-US"/>
           </a:p>
@@ -1811,7 +1816,7 @@
           <a:p>
             <a:fld id="{6D8B6B5B-7382-4801-A41C-096207E4DAC8}" type="datetimeFigureOut">
               <a:rPr lang="ko-KR" altLang="en-US" smtClean="0"/>
-              <a:t>2022-04-25</a:t>
+              <a:t>2022-05-09</a:t>
             </a:fld>
             <a:endParaRPr lang="ko-KR" altLang="en-US"/>
           </a:p>
@@ -1952,7 +1957,7 @@
           <a:p>
             <a:fld id="{6D8B6B5B-7382-4801-A41C-096207E4DAC8}" type="datetimeFigureOut">
               <a:rPr lang="ko-KR" altLang="en-US" smtClean="0"/>
-              <a:t>2022-04-25</a:t>
+              <a:t>2022-05-09</a:t>
             </a:fld>
             <a:endParaRPr lang="ko-KR" altLang="en-US"/>
           </a:p>
@@ -2065,7 +2070,7 @@
           <a:p>
             <a:fld id="{6D8B6B5B-7382-4801-A41C-096207E4DAC8}" type="datetimeFigureOut">
               <a:rPr lang="ko-KR" altLang="en-US" smtClean="0"/>
-              <a:t>2022-04-25</a:t>
+              <a:t>2022-05-09</a:t>
             </a:fld>
             <a:endParaRPr lang="ko-KR" altLang="en-US"/>
           </a:p>
@@ -2376,7 +2381,7 @@
           <a:p>
             <a:fld id="{6D8B6B5B-7382-4801-A41C-096207E4DAC8}" type="datetimeFigureOut">
               <a:rPr lang="ko-KR" altLang="en-US" smtClean="0"/>
-              <a:t>2022-04-25</a:t>
+              <a:t>2022-05-09</a:t>
             </a:fld>
             <a:endParaRPr lang="ko-KR" altLang="en-US"/>
           </a:p>
@@ -2664,7 +2669,7 @@
           <a:p>
             <a:fld id="{6D8B6B5B-7382-4801-A41C-096207E4DAC8}" type="datetimeFigureOut">
               <a:rPr lang="ko-KR" altLang="en-US" smtClean="0"/>
-              <a:t>2022-04-25</a:t>
+              <a:t>2022-05-09</a:t>
             </a:fld>
             <a:endParaRPr lang="ko-KR" altLang="en-US"/>
           </a:p>
@@ -2905,7 +2910,7 @@
           <a:p>
             <a:fld id="{6D8B6B5B-7382-4801-A41C-096207E4DAC8}" type="datetimeFigureOut">
               <a:rPr lang="ko-KR" altLang="en-US" smtClean="0"/>
-              <a:t>2022-04-25</a:t>
+              <a:t>2022-05-09</a:t>
             </a:fld>
             <a:endParaRPr lang="ko-KR" altLang="en-US"/>
           </a:p>
@@ -3527,7 +3532,7 @@
         </p:nvSpPr>
         <p:spPr>
           <a:xfrm>
-            <a:off x="1513823" y="4524567"/>
+            <a:off x="286403" y="3960492"/>
             <a:ext cx="1231076" cy="360218"/>
           </a:xfrm>
           <a:prstGeom prst="roundRect">
@@ -3620,7 +3625,7 @@
         </p:nvSpPr>
         <p:spPr>
           <a:xfrm>
-            <a:off x="5566011" y="3264462"/>
+            <a:off x="5945800" y="2864142"/>
             <a:ext cx="1231076" cy="887173"/>
           </a:xfrm>
           <a:prstGeom prst="roundRect">
@@ -4087,8 +4092,8 @@
         </p:nvCxnSpPr>
         <p:spPr>
           <a:xfrm>
-            <a:off x="6797087" y="3708049"/>
-            <a:ext cx="1423331" cy="43266"/>
+            <a:off x="7176876" y="3307729"/>
+            <a:ext cx="1043542" cy="443586"/>
           </a:xfrm>
           <a:prstGeom prst="straightConnector1">
             <a:avLst/>
@@ -4175,7 +4180,7 @@
         </p:nvSpPr>
         <p:spPr>
           <a:xfrm>
-            <a:off x="3975402" y="4536288"/>
+            <a:off x="1844162" y="6076356"/>
             <a:ext cx="1231076" cy="576096"/>
           </a:xfrm>
           <a:prstGeom prst="roundRect">
@@ -4184,15 +4189,15 @@
         </p:spPr>
         <p:style>
           <a:lnRef idx="2">
-            <a:schemeClr val="accent1">
+            <a:schemeClr val="accent6">
               <a:shade val="50000"/>
             </a:schemeClr>
           </a:lnRef>
           <a:fillRef idx="1">
-            <a:schemeClr val="accent1"/>
+            <a:schemeClr val="accent6"/>
           </a:fillRef>
           <a:effectRef idx="0">
-            <a:schemeClr val="accent1"/>
+            <a:schemeClr val="accent6"/>
           </a:effectRef>
           <a:fontRef idx="minor">
             <a:schemeClr val="lt1"/>
@@ -4274,7 +4279,7 @@
         <p:spPr>
           <a:xfrm>
             <a:off x="5639491" y="1914543"/>
-            <a:ext cx="542058" cy="1349919"/>
+            <a:ext cx="921847" cy="949599"/>
           </a:xfrm>
           <a:prstGeom prst="curvedConnector2">
             <a:avLst/>
@@ -4311,19 +4316,18 @@
           <p:cNvCxnSpPr>
             <a:cxnSpLocks/>
             <a:stCxn id="7" idx="3"/>
-            <a:endCxn id="9" idx="0"/>
+            <a:endCxn id="9" idx="1"/>
           </p:cNvCxnSpPr>
           <p:nvPr/>
         </p:nvCxnSpPr>
         <p:spPr>
           <a:xfrm flipV="1">
-            <a:off x="2744899" y="3264462"/>
-            <a:ext cx="3436650" cy="1440214"/>
-          </a:xfrm>
-          <a:prstGeom prst="curvedConnector4">
+            <a:off x="1517479" y="3307729"/>
+            <a:ext cx="4428321" cy="832872"/>
+          </a:xfrm>
+          <a:prstGeom prst="curvedConnector3">
             <a:avLst>
-              <a:gd name="adj1" fmla="val 41045"/>
-              <a:gd name="adj2" fmla="val 115873"/>
+              <a:gd name="adj1" fmla="val 50000"/>
             </a:avLst>
           </a:prstGeom>
           <a:ln>
@@ -4364,8 +4368,8 @@
         </p:nvCxnSpPr>
         <p:spPr>
           <a:xfrm rot="10800000" flipV="1">
-            <a:off x="6181549" y="1846904"/>
-            <a:ext cx="2214764" cy="1417558"/>
+            <a:off x="6561339" y="1846904"/>
+            <a:ext cx="1834975" cy="1017238"/>
           </a:xfrm>
           <a:prstGeom prst="curvedConnector2">
             <a:avLst/>
@@ -4401,15 +4405,15 @@
           </p:cNvPr>
           <p:cNvCxnSpPr>
             <a:cxnSpLocks/>
-            <a:stCxn id="86" idx="0"/>
-            <a:endCxn id="9" idx="2"/>
+            <a:stCxn id="86" idx="3"/>
+            <a:endCxn id="56" idx="1"/>
           </p:cNvCxnSpPr>
           <p:nvPr/>
         </p:nvCxnSpPr>
         <p:spPr>
-          <a:xfrm rot="5400000" flipH="1" flipV="1">
-            <a:off x="5193918" y="3548658"/>
-            <a:ext cx="384653" cy="1590609"/>
+          <a:xfrm flipV="1">
+            <a:off x="3075238" y="6029072"/>
+            <a:ext cx="792622" cy="335332"/>
           </a:xfrm>
           <a:prstGeom prst="curvedConnector3">
             <a:avLst>
@@ -4417,6 +4421,9 @@
             </a:avLst>
           </a:prstGeom>
           <a:ln>
+            <a:solidFill>
+              <a:schemeClr val="accent6"/>
+            </a:solidFill>
             <a:headEnd type="triangle"/>
             <a:tailEnd type="triangle"/>
           </a:ln>
@@ -4650,13 +4657,13 @@
           <p:nvPr/>
         </p:nvCxnSpPr>
         <p:spPr>
-          <a:xfrm rot="5400000">
-            <a:off x="7467498" y="2786995"/>
-            <a:ext cx="78691" cy="2650588"/>
+          <a:xfrm rot="5400000" flipH="1">
+            <a:off x="7535923" y="2776731"/>
+            <a:ext cx="321629" cy="2270799"/>
           </a:xfrm>
           <a:prstGeom prst="curvedConnector3">
             <a:avLst>
-              <a:gd name="adj1" fmla="val 390503"/>
+              <a:gd name="adj1" fmla="val -71289"/>
             </a:avLst>
           </a:prstGeom>
           <a:ln>
@@ -4700,12 +4707,12 @@
         </p:nvCxnSpPr>
         <p:spPr>
           <a:xfrm rot="10800000">
-            <a:off x="1612119" y="2808433"/>
-            <a:ext cx="3953893" cy="899616"/>
+            <a:off x="1612118" y="2808433"/>
+            <a:ext cx="4333682" cy="499296"/>
           </a:xfrm>
           <a:prstGeom prst="curvedConnector3">
             <a:avLst>
-              <a:gd name="adj1" fmla="val 67646"/>
+              <a:gd name="adj1" fmla="val 50000"/>
             </a:avLst>
           </a:prstGeom>
           <a:ln>
@@ -4731,53 +4738,6 @@
           </a:fontRef>
         </p:style>
       </p:cxnSp>
-      <p:cxnSp>
-        <p:nvCxnSpPr>
-          <p:cNvPr id="231" name="연결선: 구부러짐 230">
-            <a:extLst>
-              <a:ext uri="{FF2B5EF4-FFF2-40B4-BE49-F238E27FC236}">
-                <a16:creationId xmlns:a16="http://schemas.microsoft.com/office/drawing/2014/main" id="{351864C7-22A9-48B3-9407-008EDF2DF689}"/>
-              </a:ext>
-            </a:extLst>
-          </p:cNvPr>
-          <p:cNvCxnSpPr>
-            <a:cxnSpLocks/>
-            <a:stCxn id="9" idx="1"/>
-            <a:endCxn id="184" idx="2"/>
-          </p:cNvCxnSpPr>
-          <p:nvPr/>
-        </p:nvCxnSpPr>
-        <p:spPr>
-          <a:xfrm rot="10800000">
-            <a:off x="2564611" y="1867631"/>
-            <a:ext cx="3001400" cy="1840418"/>
-          </a:xfrm>
-          <a:prstGeom prst="curvedConnector2">
-            <a:avLst/>
-          </a:prstGeom>
-          <a:ln>
-            <a:solidFill>
-              <a:srgbClr val="7030A0"/>
-            </a:solidFill>
-            <a:headEnd type="none"/>
-            <a:tailEnd type="triangle"/>
-          </a:ln>
-        </p:spPr>
-        <p:style>
-          <a:lnRef idx="1">
-            <a:schemeClr val="accent1"/>
-          </a:lnRef>
-          <a:fillRef idx="0">
-            <a:schemeClr val="accent1"/>
-          </a:fillRef>
-          <a:effectRef idx="0">
-            <a:schemeClr val="accent1"/>
-          </a:effectRef>
-          <a:fontRef idx="minor">
-            <a:schemeClr val="tx1"/>
-          </a:fontRef>
-        </p:style>
-      </p:cxnSp>
       <p:sp>
         <p:nvSpPr>
           <p:cNvPr id="241" name="사각형: 둥근 모서리 240">
@@ -5122,10 +5082,10 @@
       </p:sp>
       <p:sp>
         <p:nvSpPr>
-          <p:cNvPr id="264" name="사각형: 둥근 모서리 263">
-            <a:extLst>
-              <a:ext uri="{FF2B5EF4-FFF2-40B4-BE49-F238E27FC236}">
-                <a16:creationId xmlns:a16="http://schemas.microsoft.com/office/drawing/2014/main" id="{37FA1AB9-6597-4C28-AA2E-A05B89DD1409}"/>
+          <p:cNvPr id="56" name="사각형: 둥근 모서리 55">
+            <a:extLst>
+              <a:ext uri="{FF2B5EF4-FFF2-40B4-BE49-F238E27FC236}">
+                <a16:creationId xmlns:a16="http://schemas.microsoft.com/office/drawing/2014/main" id="{1845CD7D-0287-4F6B-AD59-4E22D94AA92A}"/>
               </a:ext>
             </a:extLst>
           </p:cNvPr>
@@ -5134,8 +5094,8 @@
         </p:nvSpPr>
         <p:spPr>
           <a:xfrm>
-            <a:off x="5954167" y="4625984"/>
-            <a:ext cx="1231076" cy="887173"/>
+            <a:off x="3867860" y="5585485"/>
+            <a:ext cx="1520664" cy="887173"/>
           </a:xfrm>
           <a:prstGeom prst="roundRect">
             <a:avLst/>
@@ -5143,15 +5103,15 @@
         </p:spPr>
         <p:style>
           <a:lnRef idx="2">
-            <a:schemeClr val="accent1">
+            <a:schemeClr val="accent6">
               <a:shade val="50000"/>
             </a:schemeClr>
           </a:lnRef>
           <a:fillRef idx="1">
-            <a:schemeClr val="accent1"/>
+            <a:schemeClr val="accent6"/>
           </a:fillRef>
           <a:effectRef idx="0">
-            <a:schemeClr val="accent1"/>
+            <a:schemeClr val="accent6"/>
           </a:effectRef>
           <a:fontRef idx="minor">
             <a:schemeClr val="lt1"/>
@@ -5164,7 +5124,7 @@
             <a:pPr algn="ctr"/>
             <a:r>
               <a:rPr lang="en-US" altLang="ko-KR" dirty="0"/>
-              <a:t>event</a:t>
+              <a:t>SIM event</a:t>
             </a:r>
           </a:p>
           <a:p>
@@ -5184,12 +5144,61 @@
           </a:p>
         </p:txBody>
       </p:sp>
-      <p:sp>
-        <p:nvSpPr>
-          <p:cNvPr id="265" name="사각형: 둥근 모서리 264">
-            <a:extLst>
-              <a:ext uri="{FF2B5EF4-FFF2-40B4-BE49-F238E27FC236}">
-                <a16:creationId xmlns:a16="http://schemas.microsoft.com/office/drawing/2014/main" id="{5DF2024E-B449-46AA-AE1B-281CD6A5296F}"/>
+      <p:cxnSp>
+        <p:nvCxnSpPr>
+          <p:cNvPr id="60" name="연결선: 구부러짐 59">
+            <a:extLst>
+              <a:ext uri="{FF2B5EF4-FFF2-40B4-BE49-F238E27FC236}">
+                <a16:creationId xmlns:a16="http://schemas.microsoft.com/office/drawing/2014/main" id="{041A5BF4-38B8-433E-AE5A-7C10D7965122}"/>
+              </a:ext>
+            </a:extLst>
+          </p:cNvPr>
+          <p:cNvCxnSpPr>
+            <a:cxnSpLocks/>
+            <a:stCxn id="257" idx="2"/>
+            <a:endCxn id="56" idx="0"/>
+          </p:cNvCxnSpPr>
+          <p:nvPr/>
+        </p:nvCxnSpPr>
+        <p:spPr>
+          <a:xfrm rot="5400000">
+            <a:off x="3100277" y="3779685"/>
+            <a:ext cx="3333715" cy="277884"/>
+          </a:xfrm>
+          <a:prstGeom prst="curvedConnector3">
+            <a:avLst>
+              <a:gd name="adj1" fmla="val 50000"/>
+            </a:avLst>
+          </a:prstGeom>
+          <a:ln>
+            <a:solidFill>
+              <a:schemeClr val="accent6"/>
+            </a:solidFill>
+            <a:headEnd type="triangle"/>
+            <a:tailEnd type="triangle"/>
+          </a:ln>
+        </p:spPr>
+        <p:style>
+          <a:lnRef idx="1">
+            <a:schemeClr val="accent1"/>
+          </a:lnRef>
+          <a:fillRef idx="0">
+            <a:schemeClr val="accent1"/>
+          </a:fillRef>
+          <a:effectRef idx="0">
+            <a:schemeClr val="accent1"/>
+          </a:effectRef>
+          <a:fontRef idx="minor">
+            <a:schemeClr val="tx1"/>
+          </a:fontRef>
+        </p:style>
+      </p:cxnSp>
+      <p:sp>
+        <p:nvSpPr>
+          <p:cNvPr id="65" name="사각형: 둥근 모서리 64">
+            <a:extLst>
+              <a:ext uri="{FF2B5EF4-FFF2-40B4-BE49-F238E27FC236}">
+                <a16:creationId xmlns:a16="http://schemas.microsoft.com/office/drawing/2014/main" id="{1304E380-5582-4526-A721-4E5E5B49E0C5}"/>
               </a:ext>
             </a:extLst>
           </p:cNvPr>
@@ -5198,8 +5207,8 @@
         </p:nvSpPr>
         <p:spPr>
           <a:xfrm>
-            <a:off x="6346484" y="5024709"/>
-            <a:ext cx="1231076" cy="887173"/>
+            <a:off x="1854280" y="5463102"/>
+            <a:ext cx="1231076" cy="360218"/>
           </a:xfrm>
           <a:prstGeom prst="roundRect">
             <a:avLst/>
@@ -5207,15 +5216,15 @@
         </p:spPr>
         <p:style>
           <a:lnRef idx="2">
-            <a:schemeClr val="accent1">
+            <a:schemeClr val="accent6">
               <a:shade val="50000"/>
             </a:schemeClr>
           </a:lnRef>
           <a:fillRef idx="1">
-            <a:schemeClr val="accent1"/>
+            <a:schemeClr val="accent6"/>
           </a:fillRef>
           <a:effectRef idx="0">
-            <a:schemeClr val="accent1"/>
+            <a:schemeClr val="accent6"/>
           </a:effectRef>
           <a:fontRef idx="minor">
             <a:schemeClr val="lt1"/>
@@ -5228,21 +5237,11 @@
             <a:pPr algn="ctr"/>
             <a:r>
               <a:rPr lang="en-US" altLang="ko-KR" dirty="0"/>
-              <a:t>event</a:t>
-            </a:r>
-          </a:p>
-          <a:p>
-            <a:pPr algn="ctr"/>
-            <a:r>
-              <a:rPr lang="en-US" altLang="ko-KR" dirty="0"/>
-              <a:t>Manager</a:t>
-            </a:r>
-          </a:p>
-          <a:p>
-            <a:pPr algn="ctr"/>
-            <a:r>
-              <a:rPr lang="en-US" altLang="ko-KR" dirty="0"/>
-              <a:t>REST</a:t>
+              <a:t>SIM </a:t>
+            </a:r>
+            <a:r>
+              <a:rPr lang="en-US" altLang="ko-KR" dirty="0" err="1"/>
+              <a:t>hmi</a:t>
             </a:r>
             <a:endParaRPr lang="ko-KR" altLang="en-US" dirty="0"/>
           </a:p>
@@ -5250,33 +5249,35 @@
       </p:sp>
       <p:cxnSp>
         <p:nvCxnSpPr>
-          <p:cNvPr id="266" name="연결선: 구부러짐 265">
-            <a:extLst>
-              <a:ext uri="{FF2B5EF4-FFF2-40B4-BE49-F238E27FC236}">
-                <a16:creationId xmlns:a16="http://schemas.microsoft.com/office/drawing/2014/main" id="{4EE7901E-15D4-4A83-A266-371BD83CBE2F}"/>
+          <p:cNvPr id="66" name="연결선: 구부러짐 65">
+            <a:extLst>
+              <a:ext uri="{FF2B5EF4-FFF2-40B4-BE49-F238E27FC236}">
+                <a16:creationId xmlns:a16="http://schemas.microsoft.com/office/drawing/2014/main" id="{75385605-31BA-4C5C-AB3D-D400EECEA803}"/>
               </a:ext>
             </a:extLst>
           </p:cNvPr>
           <p:cNvCxnSpPr>
             <a:cxnSpLocks/>
-            <a:stCxn id="29" idx="1"/>
-            <a:endCxn id="265" idx="3"/>
+            <a:stCxn id="65" idx="3"/>
+            <a:endCxn id="56" idx="1"/>
           </p:cNvCxnSpPr>
           <p:nvPr/>
         </p:nvCxnSpPr>
         <p:spPr>
-          <a:xfrm rot="5400000">
-            <a:off x="7507173" y="4143332"/>
-            <a:ext cx="1395352" cy="1254577"/>
-          </a:xfrm>
-          <a:prstGeom prst="curvedConnector2">
-            <a:avLst/>
+          <a:xfrm>
+            <a:off x="3085356" y="5643211"/>
+            <a:ext cx="782504" cy="385861"/>
+          </a:xfrm>
+          <a:prstGeom prst="curvedConnector3">
+            <a:avLst>
+              <a:gd name="adj1" fmla="val 50000"/>
+            </a:avLst>
           </a:prstGeom>
           <a:ln>
             <a:solidFill>
-              <a:srgbClr val="7030A0"/>
+              <a:schemeClr val="accent6"/>
             </a:solidFill>
-            <a:headEnd type="none"/>
+            <a:headEnd type="triangle"/>
             <a:tailEnd type="triangle"/>
           </a:ln>
         </p:spPr>

--- a/Milestone/architecture.pptx
+++ b/Milestone/architecture.pptx
@@ -7,6 +7,10 @@
   <p:sldIdLst>
     <p:sldId id="256" r:id="rId2"/>
     <p:sldId id="257" r:id="rId3"/>
+    <p:sldId id="258" r:id="rId4"/>
+    <p:sldId id="259" r:id="rId5"/>
+    <p:sldId id="261" r:id="rId6"/>
+    <p:sldId id="260" r:id="rId7"/>
   </p:sldIdLst>
   <p:sldSz cx="12192000" cy="6858000"/>
   <p:notesSz cx="6858000" cy="9144000"/>
@@ -260,7 +264,7 @@
           <a:p>
             <a:fld id="{6D8B6B5B-7382-4801-A41C-096207E4DAC8}" type="datetimeFigureOut">
               <a:rPr lang="ko-KR" altLang="en-US" smtClean="0"/>
-              <a:t>2022-05-09</a:t>
+              <a:t>2022-05-11</a:t>
             </a:fld>
             <a:endParaRPr lang="ko-KR" altLang="en-US"/>
           </a:p>
@@ -458,7 +462,7 @@
           <a:p>
             <a:fld id="{6D8B6B5B-7382-4801-A41C-096207E4DAC8}" type="datetimeFigureOut">
               <a:rPr lang="ko-KR" altLang="en-US" smtClean="0"/>
-              <a:t>2022-05-09</a:t>
+              <a:t>2022-05-11</a:t>
             </a:fld>
             <a:endParaRPr lang="ko-KR" altLang="en-US"/>
           </a:p>
@@ -666,7 +670,7 @@
           <a:p>
             <a:fld id="{6D8B6B5B-7382-4801-A41C-096207E4DAC8}" type="datetimeFigureOut">
               <a:rPr lang="ko-KR" altLang="en-US" smtClean="0"/>
-              <a:t>2022-05-09</a:t>
+              <a:t>2022-05-11</a:t>
             </a:fld>
             <a:endParaRPr lang="ko-KR" altLang="en-US"/>
           </a:p>
@@ -864,7 +868,7 @@
           <a:p>
             <a:fld id="{6D8B6B5B-7382-4801-A41C-096207E4DAC8}" type="datetimeFigureOut">
               <a:rPr lang="ko-KR" altLang="en-US" smtClean="0"/>
-              <a:t>2022-05-09</a:t>
+              <a:t>2022-05-11</a:t>
             </a:fld>
             <a:endParaRPr lang="ko-KR" altLang="en-US"/>
           </a:p>
@@ -1139,7 +1143,7 @@
           <a:p>
             <a:fld id="{6D8B6B5B-7382-4801-A41C-096207E4DAC8}" type="datetimeFigureOut">
               <a:rPr lang="ko-KR" altLang="en-US" smtClean="0"/>
-              <a:t>2022-05-09</a:t>
+              <a:t>2022-05-11</a:t>
             </a:fld>
             <a:endParaRPr lang="ko-KR" altLang="en-US"/>
           </a:p>
@@ -1404,7 +1408,7 @@
           <a:p>
             <a:fld id="{6D8B6B5B-7382-4801-A41C-096207E4DAC8}" type="datetimeFigureOut">
               <a:rPr lang="ko-KR" altLang="en-US" smtClean="0"/>
-              <a:t>2022-05-09</a:t>
+              <a:t>2022-05-11</a:t>
             </a:fld>
             <a:endParaRPr lang="ko-KR" altLang="en-US"/>
           </a:p>
@@ -1816,7 +1820,7 @@
           <a:p>
             <a:fld id="{6D8B6B5B-7382-4801-A41C-096207E4DAC8}" type="datetimeFigureOut">
               <a:rPr lang="ko-KR" altLang="en-US" smtClean="0"/>
-              <a:t>2022-05-09</a:t>
+              <a:t>2022-05-11</a:t>
             </a:fld>
             <a:endParaRPr lang="ko-KR" altLang="en-US"/>
           </a:p>
@@ -1957,7 +1961,7 @@
           <a:p>
             <a:fld id="{6D8B6B5B-7382-4801-A41C-096207E4DAC8}" type="datetimeFigureOut">
               <a:rPr lang="ko-KR" altLang="en-US" smtClean="0"/>
-              <a:t>2022-05-09</a:t>
+              <a:t>2022-05-11</a:t>
             </a:fld>
             <a:endParaRPr lang="ko-KR" altLang="en-US"/>
           </a:p>
@@ -2070,7 +2074,7 @@
           <a:p>
             <a:fld id="{6D8B6B5B-7382-4801-A41C-096207E4DAC8}" type="datetimeFigureOut">
               <a:rPr lang="ko-KR" altLang="en-US" smtClean="0"/>
-              <a:t>2022-05-09</a:t>
+              <a:t>2022-05-11</a:t>
             </a:fld>
             <a:endParaRPr lang="ko-KR" altLang="en-US"/>
           </a:p>
@@ -2381,7 +2385,7 @@
           <a:p>
             <a:fld id="{6D8B6B5B-7382-4801-A41C-096207E4DAC8}" type="datetimeFigureOut">
               <a:rPr lang="ko-KR" altLang="en-US" smtClean="0"/>
-              <a:t>2022-05-09</a:t>
+              <a:t>2022-05-11</a:t>
             </a:fld>
             <a:endParaRPr lang="ko-KR" altLang="en-US"/>
           </a:p>
@@ -2669,7 +2673,7 @@
           <a:p>
             <a:fld id="{6D8B6B5B-7382-4801-A41C-096207E4DAC8}" type="datetimeFigureOut">
               <a:rPr lang="ko-KR" altLang="en-US" smtClean="0"/>
-              <a:t>2022-05-09</a:t>
+              <a:t>2022-05-11</a:t>
             </a:fld>
             <a:endParaRPr lang="ko-KR" altLang="en-US"/>
           </a:p>
@@ -2910,7 +2914,7 @@
           <a:p>
             <a:fld id="{6D8B6B5B-7382-4801-A41C-096207E4DAC8}" type="datetimeFigureOut">
               <a:rPr lang="ko-KR" altLang="en-US" smtClean="0"/>
-              <a:t>2022-05-09</a:t>
+              <a:t>2022-05-11</a:t>
             </a:fld>
             <a:endParaRPr lang="ko-KR" altLang="en-US"/>
           </a:p>
@@ -3451,11 +3455,7 @@
             <a:pPr algn="ctr"/>
             <a:r>
               <a:rPr lang="en-US" altLang="ko-KR" dirty="0"/>
-              <a:t>*.</a:t>
-            </a:r>
-            <a:r>
-              <a:rPr lang="en-US" altLang="ko-KR" dirty="0" err="1"/>
-              <a:t>dsp</a:t>
+              <a:t>*.ds</a:t>
             </a:r>
             <a:endParaRPr lang="ko-KR" altLang="en-US" dirty="0"/>
           </a:p>
@@ -3475,7 +3475,7 @@
         </p:nvSpPr>
         <p:spPr>
           <a:xfrm>
-            <a:off x="3715460" y="1120115"/>
+            <a:off x="3478689" y="1120115"/>
             <a:ext cx="1466831" cy="674455"/>
           </a:xfrm>
           <a:prstGeom prst="roundRect">
@@ -3625,7 +3625,7 @@
         </p:nvSpPr>
         <p:spPr>
           <a:xfrm>
-            <a:off x="5945800" y="2864142"/>
+            <a:off x="5952807" y="3185771"/>
             <a:ext cx="1231076" cy="887173"/>
           </a:xfrm>
           <a:prstGeom prst="roundRect">
@@ -3697,16 +3697,14 @@
           </a:prstGeom>
         </p:spPr>
         <p:style>
-          <a:lnRef idx="2">
-            <a:schemeClr val="accent1">
-              <a:shade val="50000"/>
-            </a:schemeClr>
+          <a:lnRef idx="1">
+            <a:schemeClr val="accent3"/>
           </a:lnRef>
-          <a:fillRef idx="1">
-            <a:schemeClr val="accent1"/>
+          <a:fillRef idx="3">
+            <a:schemeClr val="accent3"/>
           </a:fillRef>
-          <a:effectRef idx="0">
-            <a:schemeClr val="accent1"/>
+          <a:effectRef idx="2">
+            <a:schemeClr val="accent3"/>
           </a:effectRef>
           <a:fontRef idx="minor">
             <a:schemeClr val="lt1"/>
@@ -3750,6 +3748,54 @@
             <a:ext cx="1231076" cy="644630"/>
           </a:xfrm>
           <a:prstGeom prst="cloud">
+            <a:avLst/>
+          </a:prstGeom>
+        </p:spPr>
+        <p:style>
+          <a:lnRef idx="1">
+            <a:schemeClr val="accent3"/>
+          </a:lnRef>
+          <a:fillRef idx="3">
+            <a:schemeClr val="accent3"/>
+          </a:fillRef>
+          <a:effectRef idx="2">
+            <a:schemeClr val="accent3"/>
+          </a:effectRef>
+          <a:fontRef idx="minor">
+            <a:schemeClr val="lt1"/>
+          </a:fontRef>
+        </p:style>
+        <p:txBody>
+          <a:bodyPr rtlCol="0" anchor="ctr"/>
+          <a:lstStyle/>
+          <a:p>
+            <a:pPr algn="ctr"/>
+            <a:r>
+              <a:rPr lang="en-US" altLang="ko-KR" dirty="0"/>
+              <a:t>cloud</a:t>
+            </a:r>
+            <a:endParaRPr lang="ko-KR" altLang="en-US" dirty="0"/>
+          </a:p>
+        </p:txBody>
+      </p:sp>
+      <p:sp>
+        <p:nvSpPr>
+          <p:cNvPr id="32" name="사각형: 둥근 모서리 31">
+            <a:extLst>
+              <a:ext uri="{FF2B5EF4-FFF2-40B4-BE49-F238E27FC236}">
+                <a16:creationId xmlns:a16="http://schemas.microsoft.com/office/drawing/2014/main" id="{56162A42-C4C3-489F-BC44-BCCD87E8FF07}"/>
+              </a:ext>
+            </a:extLst>
+          </p:cNvPr>
+          <p:cNvSpPr/>
+          <p:nvPr/>
+        </p:nvSpPr>
+        <p:spPr>
+          <a:xfrm>
+            <a:off x="7393837" y="1550551"/>
+            <a:ext cx="1231076" cy="592705"/>
+          </a:xfrm>
+          <a:prstGeom prst="roundRect">
             <a:avLst/>
           </a:prstGeom>
         </p:spPr>
@@ -3776,7 +3822,14 @@
             <a:pPr algn="ctr"/>
             <a:r>
               <a:rPr lang="en-US" altLang="ko-KR" dirty="0"/>
-              <a:t>cloud</a:t>
+              <a:t>OPC</a:t>
+            </a:r>
+          </a:p>
+          <a:p>
+            <a:pPr algn="ctr"/>
+            <a:r>
+              <a:rPr lang="en-US" altLang="ko-KR" dirty="0"/>
+              <a:t>Server</a:t>
             </a:r>
             <a:endParaRPr lang="ko-KR" altLang="en-US" dirty="0"/>
           </a:p>
@@ -3784,10 +3837,10 @@
       </p:sp>
       <p:sp>
         <p:nvSpPr>
-          <p:cNvPr id="32" name="사각형: 둥근 모서리 31">
-            <a:extLst>
-              <a:ext uri="{FF2B5EF4-FFF2-40B4-BE49-F238E27FC236}">
-                <a16:creationId xmlns:a16="http://schemas.microsoft.com/office/drawing/2014/main" id="{56162A42-C4C3-489F-BC44-BCCD87E8FF07}"/>
+          <p:cNvPr id="34" name="배지 33">
+            <a:extLst>
+              <a:ext uri="{FF2B5EF4-FFF2-40B4-BE49-F238E27FC236}">
+                <a16:creationId xmlns:a16="http://schemas.microsoft.com/office/drawing/2014/main" id="{42D7ECDF-623A-4B4C-A4A3-5F8285D6D3B8}"/>
               </a:ext>
             </a:extLst>
           </p:cNvPr>
@@ -3796,12 +3849,160 @@
         </p:nvSpPr>
         <p:spPr>
           <a:xfrm>
-            <a:off x="8396313" y="1550551"/>
-            <a:ext cx="1231076" cy="592705"/>
+            <a:off x="10409585" y="1389704"/>
+            <a:ext cx="1170085" cy="914400"/>
+          </a:xfrm>
+          <a:prstGeom prst="plaque">
+            <a:avLst/>
+          </a:prstGeom>
+        </p:spPr>
+        <p:style>
+          <a:lnRef idx="3">
+            <a:schemeClr val="lt1"/>
+          </a:lnRef>
+          <a:fillRef idx="1">
+            <a:schemeClr val="accent3"/>
+          </a:fillRef>
+          <a:effectRef idx="1">
+            <a:schemeClr val="accent3"/>
+          </a:effectRef>
+          <a:fontRef idx="minor">
+            <a:schemeClr val="lt1"/>
+          </a:fontRef>
+        </p:style>
+        <p:txBody>
+          <a:bodyPr rtlCol="0" anchor="ctr"/>
+          <a:lstStyle/>
+          <a:p>
+            <a:pPr algn="ctr"/>
+            <a:r>
+              <a:rPr lang="en-US" altLang="ko-KR" dirty="0"/>
+              <a:t>Factory</a:t>
+            </a:r>
+            <a:endParaRPr lang="ko-KR" altLang="en-US" dirty="0"/>
+          </a:p>
+        </p:txBody>
+      </p:sp>
+      <p:cxnSp>
+        <p:nvCxnSpPr>
+          <p:cNvPr id="35" name="직선 화살표 연결선 34">
+            <a:extLst>
+              <a:ext uri="{FF2B5EF4-FFF2-40B4-BE49-F238E27FC236}">
+                <a16:creationId xmlns:a16="http://schemas.microsoft.com/office/drawing/2014/main" id="{BE5B22D0-7971-49B8-9DB6-77471DB8EA07}"/>
+              </a:ext>
+            </a:extLst>
+          </p:cNvPr>
+          <p:cNvCxnSpPr>
+            <a:cxnSpLocks/>
+            <a:stCxn id="32" idx="3"/>
+            <a:endCxn id="261" idx="1"/>
+          </p:cNvCxnSpPr>
+          <p:nvPr/>
+        </p:nvCxnSpPr>
+        <p:spPr>
+          <a:xfrm flipV="1">
+            <a:off x="8624913" y="1630547"/>
+            <a:ext cx="480523" cy="216357"/>
+          </a:xfrm>
+          <a:prstGeom prst="straightConnector1">
+            <a:avLst/>
+          </a:prstGeom>
+          <a:ln>
+            <a:headEnd type="triangle"/>
+            <a:tailEnd type="triangle"/>
+          </a:ln>
+        </p:spPr>
+        <p:style>
+          <a:lnRef idx="1">
+            <a:schemeClr val="accent1"/>
+          </a:lnRef>
+          <a:fillRef idx="0">
+            <a:schemeClr val="accent1"/>
+          </a:fillRef>
+          <a:effectRef idx="0">
+            <a:schemeClr val="accent1"/>
+          </a:effectRef>
+          <a:fontRef idx="minor">
+            <a:schemeClr val="tx1"/>
+          </a:fontRef>
+        </p:style>
+      </p:cxnSp>
+      <p:sp>
+        <p:nvSpPr>
+          <p:cNvPr id="47" name="사각형: 둥근 모서리 46">
+            <a:extLst>
+              <a:ext uri="{FF2B5EF4-FFF2-40B4-BE49-F238E27FC236}">
+                <a16:creationId xmlns:a16="http://schemas.microsoft.com/office/drawing/2014/main" id="{512C5C1B-3C27-4878-8A1C-31862D9A3B3D}"/>
+              </a:ext>
+            </a:extLst>
+          </p:cNvPr>
+          <p:cNvSpPr/>
+          <p:nvPr/>
+        </p:nvSpPr>
+        <p:spPr>
+          <a:xfrm>
+            <a:off x="10352928" y="3473604"/>
+            <a:ext cx="1231076" cy="486888"/>
           </a:xfrm>
           <a:prstGeom prst="roundRect">
             <a:avLst/>
           </a:prstGeom>
+        </p:spPr>
+        <p:style>
+          <a:lnRef idx="1">
+            <a:schemeClr val="accent3"/>
+          </a:lnRef>
+          <a:fillRef idx="3">
+            <a:schemeClr val="accent3"/>
+          </a:fillRef>
+          <a:effectRef idx="2">
+            <a:schemeClr val="accent3"/>
+          </a:effectRef>
+          <a:fontRef idx="minor">
+            <a:schemeClr val="lt1"/>
+          </a:fontRef>
+        </p:style>
+        <p:txBody>
+          <a:bodyPr rtlCol="0" anchor="ctr"/>
+          <a:lstStyle/>
+          <a:p>
+            <a:pPr algn="ctr"/>
+            <a:r>
+              <a:rPr lang="en-US" altLang="ko-KR" dirty="0"/>
+              <a:t>remote</a:t>
+            </a:r>
+          </a:p>
+          <a:p>
+            <a:pPr algn="ctr"/>
+            <a:r>
+              <a:rPr lang="en-US" altLang="ko-KR" dirty="0"/>
+              <a:t>monitor</a:t>
+            </a:r>
+            <a:endParaRPr lang="ko-KR" altLang="en-US" dirty="0"/>
+          </a:p>
+        </p:txBody>
+      </p:sp>
+      <p:sp>
+        <p:nvSpPr>
+          <p:cNvPr id="57" name="직사각형 56">
+            <a:extLst>
+              <a:ext uri="{FF2B5EF4-FFF2-40B4-BE49-F238E27FC236}">
+                <a16:creationId xmlns:a16="http://schemas.microsoft.com/office/drawing/2014/main" id="{BF1A1FBB-E592-4101-9AA7-4370A69E1013}"/>
+              </a:ext>
+            </a:extLst>
+          </p:cNvPr>
+          <p:cNvSpPr/>
+          <p:nvPr/>
+        </p:nvSpPr>
+        <p:spPr>
+          <a:xfrm>
+            <a:off x="223733" y="952245"/>
+            <a:ext cx="1528445" cy="2799070"/>
+          </a:xfrm>
+          <a:prstGeom prst="rect">
+            <a:avLst/>
+          </a:prstGeom>
+          <a:noFill/>
         </p:spPr>
         <p:style>
           <a:lnRef idx="2">
@@ -3824,215 +4025,6 @@
           <a:lstStyle/>
           <a:p>
             <a:pPr algn="ctr"/>
-            <a:r>
-              <a:rPr lang="en-US" altLang="ko-KR" dirty="0"/>
-              <a:t>PLC/</a:t>
-            </a:r>
-          </a:p>
-          <a:p>
-            <a:pPr algn="ctr"/>
-            <a:r>
-              <a:rPr lang="en-US" altLang="ko-KR" dirty="0"/>
-              <a:t>OPC</a:t>
-            </a:r>
-            <a:endParaRPr lang="ko-KR" altLang="en-US" dirty="0"/>
-          </a:p>
-        </p:txBody>
-      </p:sp>
-      <p:sp>
-        <p:nvSpPr>
-          <p:cNvPr id="34" name="배지 33">
-            <a:extLst>
-              <a:ext uri="{FF2B5EF4-FFF2-40B4-BE49-F238E27FC236}">
-                <a16:creationId xmlns:a16="http://schemas.microsoft.com/office/drawing/2014/main" id="{42D7ECDF-623A-4B4C-A4A3-5F8285D6D3B8}"/>
-              </a:ext>
-            </a:extLst>
-          </p:cNvPr>
-          <p:cNvSpPr/>
-          <p:nvPr/>
-        </p:nvSpPr>
-        <p:spPr>
-          <a:xfrm>
-            <a:off x="10409585" y="1389704"/>
-            <a:ext cx="1170085" cy="914400"/>
-          </a:xfrm>
-          <a:prstGeom prst="plaque">
-            <a:avLst/>
-          </a:prstGeom>
-        </p:spPr>
-        <p:style>
-          <a:lnRef idx="2">
-            <a:schemeClr val="accent1">
-              <a:shade val="50000"/>
-            </a:schemeClr>
-          </a:lnRef>
-          <a:fillRef idx="1">
-            <a:schemeClr val="accent1"/>
-          </a:fillRef>
-          <a:effectRef idx="0">
-            <a:schemeClr val="accent1"/>
-          </a:effectRef>
-          <a:fontRef idx="minor">
-            <a:schemeClr val="lt1"/>
-          </a:fontRef>
-        </p:style>
-        <p:txBody>
-          <a:bodyPr rtlCol="0" anchor="ctr"/>
-          <a:lstStyle/>
-          <a:p>
-            <a:pPr algn="ctr"/>
-            <a:r>
-              <a:rPr lang="en-US" altLang="ko-KR" dirty="0"/>
-              <a:t>Factory</a:t>
-            </a:r>
-            <a:endParaRPr lang="ko-KR" altLang="en-US" dirty="0"/>
-          </a:p>
-        </p:txBody>
-      </p:sp>
-      <p:cxnSp>
-        <p:nvCxnSpPr>
-          <p:cNvPr id="35" name="직선 화살표 연결선 34">
-            <a:extLst>
-              <a:ext uri="{FF2B5EF4-FFF2-40B4-BE49-F238E27FC236}">
-                <a16:creationId xmlns:a16="http://schemas.microsoft.com/office/drawing/2014/main" id="{BE5B22D0-7971-49B8-9DB6-77471DB8EA07}"/>
-              </a:ext>
-            </a:extLst>
-          </p:cNvPr>
-          <p:cNvCxnSpPr>
-            <a:cxnSpLocks/>
-            <a:stCxn id="32" idx="3"/>
-            <a:endCxn id="34" idx="1"/>
-          </p:cNvCxnSpPr>
-          <p:nvPr/>
-        </p:nvCxnSpPr>
-        <p:spPr>
-          <a:xfrm>
-            <a:off x="9627389" y="1846904"/>
-            <a:ext cx="782196" cy="0"/>
-          </a:xfrm>
-          <a:prstGeom prst="straightConnector1">
-            <a:avLst/>
-          </a:prstGeom>
-          <a:ln>
-            <a:headEnd type="triangle"/>
-            <a:tailEnd type="triangle"/>
-          </a:ln>
-        </p:spPr>
-        <p:style>
-          <a:lnRef idx="1">
-            <a:schemeClr val="accent1"/>
-          </a:lnRef>
-          <a:fillRef idx="0">
-            <a:schemeClr val="accent1"/>
-          </a:fillRef>
-          <a:effectRef idx="0">
-            <a:schemeClr val="accent1"/>
-          </a:effectRef>
-          <a:fontRef idx="minor">
-            <a:schemeClr val="tx1"/>
-          </a:fontRef>
-        </p:style>
-      </p:cxnSp>
-      <p:sp>
-        <p:nvSpPr>
-          <p:cNvPr id="47" name="사각형: 둥근 모서리 46">
-            <a:extLst>
-              <a:ext uri="{FF2B5EF4-FFF2-40B4-BE49-F238E27FC236}">
-                <a16:creationId xmlns:a16="http://schemas.microsoft.com/office/drawing/2014/main" id="{512C5C1B-3C27-4878-8A1C-31862D9A3B3D}"/>
-              </a:ext>
-            </a:extLst>
-          </p:cNvPr>
-          <p:cNvSpPr/>
-          <p:nvPr/>
-        </p:nvSpPr>
-        <p:spPr>
-          <a:xfrm>
-            <a:off x="10352928" y="3473604"/>
-            <a:ext cx="1231076" cy="486888"/>
-          </a:xfrm>
-          <a:prstGeom prst="roundRect">
-            <a:avLst/>
-          </a:prstGeom>
-        </p:spPr>
-        <p:style>
-          <a:lnRef idx="2">
-            <a:schemeClr val="accent1">
-              <a:shade val="50000"/>
-            </a:schemeClr>
-          </a:lnRef>
-          <a:fillRef idx="1">
-            <a:schemeClr val="accent1"/>
-          </a:fillRef>
-          <a:effectRef idx="0">
-            <a:schemeClr val="accent1"/>
-          </a:effectRef>
-          <a:fontRef idx="minor">
-            <a:schemeClr val="lt1"/>
-          </a:fontRef>
-        </p:style>
-        <p:txBody>
-          <a:bodyPr rtlCol="0" anchor="ctr"/>
-          <a:lstStyle/>
-          <a:p>
-            <a:pPr algn="ctr"/>
-            <a:r>
-              <a:rPr lang="en-US" altLang="ko-KR" dirty="0"/>
-              <a:t>remote</a:t>
-            </a:r>
-          </a:p>
-          <a:p>
-            <a:pPr algn="ctr"/>
-            <a:r>
-              <a:rPr lang="en-US" altLang="ko-KR" dirty="0"/>
-              <a:t>monitor</a:t>
-            </a:r>
-            <a:endParaRPr lang="ko-KR" altLang="en-US" dirty="0"/>
-          </a:p>
-        </p:txBody>
-      </p:sp>
-      <p:sp>
-        <p:nvSpPr>
-          <p:cNvPr id="57" name="직사각형 56">
-            <a:extLst>
-              <a:ext uri="{FF2B5EF4-FFF2-40B4-BE49-F238E27FC236}">
-                <a16:creationId xmlns:a16="http://schemas.microsoft.com/office/drawing/2014/main" id="{BF1A1FBB-E592-4101-9AA7-4370A69E1013}"/>
-              </a:ext>
-            </a:extLst>
-          </p:cNvPr>
-          <p:cNvSpPr/>
-          <p:nvPr/>
-        </p:nvSpPr>
-        <p:spPr>
-          <a:xfrm>
-            <a:off x="223733" y="952245"/>
-            <a:ext cx="1528445" cy="2799070"/>
-          </a:xfrm>
-          <a:prstGeom prst="rect">
-            <a:avLst/>
-          </a:prstGeom>
-          <a:noFill/>
-        </p:spPr>
-        <p:style>
-          <a:lnRef idx="2">
-            <a:schemeClr val="accent1">
-              <a:shade val="50000"/>
-            </a:schemeClr>
-          </a:lnRef>
-          <a:fillRef idx="1">
-            <a:schemeClr val="accent1"/>
-          </a:fillRef>
-          <a:effectRef idx="0">
-            <a:schemeClr val="accent1"/>
-          </a:effectRef>
-          <a:fontRef idx="minor">
-            <a:schemeClr val="lt1"/>
-          </a:fontRef>
-        </p:style>
-        <p:txBody>
-          <a:bodyPr rtlCol="0" anchor="ctr"/>
-          <a:lstStyle/>
-          <a:p>
-            <a:pPr algn="ctr"/>
             <a:endParaRPr lang="ko-KR" altLang="en-US"/>
           </a:p>
         </p:txBody>
@@ -4092,8 +4084,55 @@
         </p:nvCxnSpPr>
         <p:spPr>
           <a:xfrm>
-            <a:off x="7176876" y="3307729"/>
-            <a:ext cx="1043542" cy="443586"/>
+            <a:off x="7183883" y="3629358"/>
+            <a:ext cx="1036535" cy="121957"/>
+          </a:xfrm>
+          <a:prstGeom prst="straightConnector1">
+            <a:avLst/>
+          </a:prstGeom>
+          <a:ln>
+            <a:solidFill>
+              <a:schemeClr val="accent2"/>
+            </a:solidFill>
+            <a:headEnd type="triangle"/>
+            <a:tailEnd type="triangle"/>
+          </a:ln>
+        </p:spPr>
+        <p:style>
+          <a:lnRef idx="1">
+            <a:schemeClr val="accent1"/>
+          </a:lnRef>
+          <a:fillRef idx="0">
+            <a:schemeClr val="accent1"/>
+          </a:fillRef>
+          <a:effectRef idx="0">
+            <a:schemeClr val="accent1"/>
+          </a:effectRef>
+          <a:fontRef idx="minor">
+            <a:schemeClr val="tx1"/>
+          </a:fontRef>
+        </p:style>
+      </p:cxnSp>
+      <p:cxnSp>
+        <p:nvCxnSpPr>
+          <p:cNvPr id="70" name="직선 화살표 연결선 69">
+            <a:extLst>
+              <a:ext uri="{FF2B5EF4-FFF2-40B4-BE49-F238E27FC236}">
+                <a16:creationId xmlns:a16="http://schemas.microsoft.com/office/drawing/2014/main" id="{3B42E46B-A9BB-4878-8228-BF500D4AA4EB}"/>
+              </a:ext>
+            </a:extLst>
+          </p:cNvPr>
+          <p:cNvCxnSpPr>
+            <a:cxnSpLocks/>
+            <a:stCxn id="29" idx="0"/>
+            <a:endCxn id="47" idx="1"/>
+          </p:cNvCxnSpPr>
+          <p:nvPr/>
+        </p:nvCxnSpPr>
+        <p:spPr>
+          <a:xfrm flipV="1">
+            <a:off x="9446649" y="3717048"/>
+            <a:ext cx="906279" cy="34267"/>
           </a:xfrm>
           <a:prstGeom prst="straightConnector1">
             <a:avLst/>
@@ -4120,52 +4159,6 @@
           </a:fontRef>
         </p:style>
       </p:cxnSp>
-      <p:cxnSp>
-        <p:nvCxnSpPr>
-          <p:cNvPr id="70" name="직선 화살표 연결선 69">
-            <a:extLst>
-              <a:ext uri="{FF2B5EF4-FFF2-40B4-BE49-F238E27FC236}">
-                <a16:creationId xmlns:a16="http://schemas.microsoft.com/office/drawing/2014/main" id="{3B42E46B-A9BB-4878-8228-BF500D4AA4EB}"/>
-              </a:ext>
-            </a:extLst>
-          </p:cNvPr>
-          <p:cNvCxnSpPr>
-            <a:cxnSpLocks/>
-            <a:stCxn id="29" idx="0"/>
-            <a:endCxn id="47" idx="1"/>
-          </p:cNvCxnSpPr>
-          <p:nvPr/>
-        </p:nvCxnSpPr>
-        <p:spPr>
-          <a:xfrm flipV="1">
-            <a:off x="9446649" y="3717048"/>
-            <a:ext cx="906279" cy="34267"/>
-          </a:xfrm>
-          <a:prstGeom prst="straightConnector1">
-            <a:avLst/>
-          </a:prstGeom>
-          <a:ln>
-            <a:solidFill>
-              <a:schemeClr val="accent2"/>
-            </a:solidFill>
-            <a:tailEnd type="triangle"/>
-          </a:ln>
-        </p:spPr>
-        <p:style>
-          <a:lnRef idx="1">
-            <a:schemeClr val="accent1"/>
-          </a:lnRef>
-          <a:fillRef idx="0">
-            <a:schemeClr val="accent1"/>
-          </a:fillRef>
-          <a:effectRef idx="0">
-            <a:schemeClr val="accent1"/>
-          </a:effectRef>
-          <a:fontRef idx="minor">
-            <a:schemeClr val="tx1"/>
-          </a:fontRef>
-        </p:style>
-      </p:cxnSp>
       <p:sp>
         <p:nvSpPr>
           <p:cNvPr id="86" name="사각형: 둥근 모서리 85">
@@ -4180,7 +4173,7 @@
         </p:nvSpPr>
         <p:spPr>
           <a:xfrm>
-            <a:off x="1844162" y="6076356"/>
+            <a:off x="356675" y="6101514"/>
             <a:ext cx="1231076" cy="576096"/>
           </a:xfrm>
           <a:prstGeom prst="roundRect">
@@ -4278,8 +4271,8 @@
         </p:nvCxnSpPr>
         <p:spPr>
           <a:xfrm>
-            <a:off x="5639491" y="1914543"/>
-            <a:ext cx="921847" cy="949599"/>
+            <a:off x="5402720" y="1914543"/>
+            <a:ext cx="1165625" cy="1271228"/>
           </a:xfrm>
           <a:prstGeom prst="curvedConnector2">
             <a:avLst/>
@@ -4316,18 +4309,18 @@
           <p:cNvCxnSpPr>
             <a:cxnSpLocks/>
             <a:stCxn id="7" idx="3"/>
-            <a:endCxn id="9" idx="1"/>
+            <a:endCxn id="32" idx="1"/>
           </p:cNvCxnSpPr>
           <p:nvPr/>
         </p:nvCxnSpPr>
         <p:spPr>
           <a:xfrm flipV="1">
-            <a:off x="1517479" y="3307729"/>
-            <a:ext cx="4428321" cy="832872"/>
+            <a:off x="1517479" y="1846904"/>
+            <a:ext cx="5876358" cy="2293697"/>
           </a:xfrm>
           <a:prstGeom prst="curvedConnector3">
             <a:avLst>
-              <a:gd name="adj1" fmla="val 50000"/>
+              <a:gd name="adj1" fmla="val 70207"/>
             </a:avLst>
           </a:prstGeom>
           <a:ln>
@@ -4368,8 +4361,8 @@
         </p:nvCxnSpPr>
         <p:spPr>
           <a:xfrm rot="10800000" flipV="1">
-            <a:off x="6561339" y="1846904"/>
-            <a:ext cx="1834975" cy="1017238"/>
+            <a:off x="6568345" y="1846903"/>
+            <a:ext cx="825492" cy="1338867"/>
           </a:xfrm>
           <a:prstGeom prst="curvedConnector2">
             <a:avLst/>
@@ -4412,8 +4405,8 @@
         </p:nvCxnSpPr>
         <p:spPr>
           <a:xfrm flipV="1">
-            <a:off x="3075238" y="6029072"/>
-            <a:ext cx="792622" cy="335332"/>
+            <a:off x="1587751" y="4990423"/>
+            <a:ext cx="738980" cy="1399139"/>
           </a:xfrm>
           <a:prstGeom prst="curvedConnector3">
             <a:avLst>
@@ -4512,7 +4505,7 @@
         <p:spPr>
           <a:xfrm flipV="1">
             <a:off x="3152568" y="1457343"/>
-            <a:ext cx="562892" cy="183988"/>
+            <a:ext cx="326121" cy="183988"/>
           </a:xfrm>
           <a:prstGeom prst="straightConnector1">
             <a:avLst/>
@@ -4558,16 +4551,14 @@
           </a:prstGeom>
         </p:spPr>
         <p:style>
-          <a:lnRef idx="2">
-            <a:schemeClr val="accent1">
-              <a:shade val="50000"/>
-            </a:schemeClr>
+          <a:lnRef idx="1">
+            <a:schemeClr val="accent3"/>
           </a:lnRef>
-          <a:fillRef idx="1">
-            <a:schemeClr val="accent1"/>
+          <a:fillRef idx="3">
+            <a:schemeClr val="accent3"/>
           </a:fillRef>
-          <a:effectRef idx="0">
-            <a:schemeClr val="accent1"/>
+          <a:effectRef idx="2">
+            <a:schemeClr val="accent3"/>
           </a:effectRef>
           <a:fontRef idx="minor">
             <a:schemeClr val="lt1"/>
@@ -4657,13 +4648,13 @@
           <p:nvPr/>
         </p:nvCxnSpPr>
         <p:spPr>
-          <a:xfrm rot="5400000" flipH="1">
-            <a:off x="7535923" y="2776731"/>
-            <a:ext cx="321629" cy="2270799"/>
+          <a:xfrm rot="5400000">
+            <a:off x="7700241" y="2941048"/>
+            <a:ext cx="12700" cy="2263792"/>
           </a:xfrm>
           <a:prstGeom prst="curvedConnector3">
             <a:avLst>
-              <a:gd name="adj1" fmla="val -71289"/>
+              <a:gd name="adj1" fmla="val 1805402"/>
             </a:avLst>
           </a:prstGeom>
           <a:ln>
@@ -4707,8 +4698,8 @@
         </p:nvCxnSpPr>
         <p:spPr>
           <a:xfrm rot="10800000">
-            <a:off x="1612118" y="2808433"/>
-            <a:ext cx="4333682" cy="499296"/>
+            <a:off x="1612119" y="2808434"/>
+            <a:ext cx="4340689" cy="820925"/>
           </a:xfrm>
           <a:prstGeom prst="curvedConnector3">
             <a:avLst>
@@ -4719,7 +4710,7 @@
             <a:solidFill>
               <a:srgbClr val="7030A0"/>
             </a:solidFill>
-            <a:headEnd type="none"/>
+            <a:headEnd type="triangle"/>
             <a:tailEnd type="triangle"/>
           </a:ln>
         </p:spPr>
@@ -4754,6 +4745,61 @@
           <a:xfrm>
             <a:off x="10342073" y="4981408"/>
             <a:ext cx="1231076" cy="486888"/>
+          </a:xfrm>
+          <a:prstGeom prst="roundRect">
+            <a:avLst/>
+          </a:prstGeom>
+        </p:spPr>
+        <p:style>
+          <a:lnRef idx="1">
+            <a:schemeClr val="accent3"/>
+          </a:lnRef>
+          <a:fillRef idx="3">
+            <a:schemeClr val="accent3"/>
+          </a:fillRef>
+          <a:effectRef idx="2">
+            <a:schemeClr val="accent3"/>
+          </a:effectRef>
+          <a:fontRef idx="minor">
+            <a:schemeClr val="lt1"/>
+          </a:fontRef>
+        </p:style>
+        <p:txBody>
+          <a:bodyPr rtlCol="0" anchor="ctr"/>
+          <a:lstStyle/>
+          <a:p>
+            <a:pPr algn="ctr"/>
+            <a:r>
+              <a:rPr lang="en-US" altLang="ko-KR" dirty="0"/>
+              <a:t>remote</a:t>
+            </a:r>
+          </a:p>
+          <a:p>
+            <a:pPr algn="ctr"/>
+            <a:r>
+              <a:rPr lang="en-US" altLang="ko-KR" dirty="0" err="1"/>
+              <a:t>hmi</a:t>
+            </a:r>
+            <a:endParaRPr lang="ko-KR" altLang="en-US" dirty="0"/>
+          </a:p>
+        </p:txBody>
+      </p:sp>
+      <p:sp>
+        <p:nvSpPr>
+          <p:cNvPr id="255" name="사각형: 둥근 모서리 254">
+            <a:extLst>
+              <a:ext uri="{FF2B5EF4-FFF2-40B4-BE49-F238E27FC236}">
+                <a16:creationId xmlns:a16="http://schemas.microsoft.com/office/drawing/2014/main" id="{EAD512BD-E9E1-4220-8B67-5C82447E322F}"/>
+              </a:ext>
+            </a:extLst>
+          </p:cNvPr>
+          <p:cNvSpPr/>
+          <p:nvPr/>
+        </p:nvSpPr>
+        <p:spPr>
+          <a:xfrm>
+            <a:off x="3631089" y="1272515"/>
+            <a:ext cx="1466831" cy="674455"/>
           </a:xfrm>
           <a:prstGeom prst="roundRect">
             <a:avLst/>
@@ -4782,14 +4828,14 @@
             <a:pPr algn="ctr"/>
             <a:r>
               <a:rPr lang="en-US" altLang="ko-KR" dirty="0"/>
-              <a:t>remote</a:t>
+              <a:t>Controller</a:t>
             </a:r>
           </a:p>
           <a:p>
             <a:pPr algn="ctr"/>
             <a:r>
-              <a:rPr lang="en-US" altLang="ko-KR" dirty="0" err="1"/>
-              <a:t>hmi</a:t>
+              <a:rPr lang="en-US" altLang="ko-KR" dirty="0"/>
+              <a:t>engine</a:t>
             </a:r>
             <a:endParaRPr lang="ko-KR" altLang="en-US" dirty="0"/>
           </a:p>
@@ -4797,10 +4843,10 @@
       </p:sp>
       <p:sp>
         <p:nvSpPr>
-          <p:cNvPr id="255" name="사각형: 둥근 모서리 254">
-            <a:extLst>
-              <a:ext uri="{FF2B5EF4-FFF2-40B4-BE49-F238E27FC236}">
-                <a16:creationId xmlns:a16="http://schemas.microsoft.com/office/drawing/2014/main" id="{EAD512BD-E9E1-4220-8B67-5C82447E322F}"/>
+          <p:cNvPr id="256" name="사각형: 둥근 모서리 255">
+            <a:extLst>
+              <a:ext uri="{FF2B5EF4-FFF2-40B4-BE49-F238E27FC236}">
+                <a16:creationId xmlns:a16="http://schemas.microsoft.com/office/drawing/2014/main" id="{99F67991-1F22-4667-A514-9C1E61C0EB2C}"/>
               </a:ext>
             </a:extLst>
           </p:cNvPr>
@@ -4809,7 +4855,7 @@
         </p:nvSpPr>
         <p:spPr>
           <a:xfrm>
-            <a:off x="3867860" y="1272515"/>
+            <a:off x="3783489" y="1424915"/>
             <a:ext cx="1466831" cy="674455"/>
           </a:xfrm>
           <a:prstGeom prst="roundRect">
@@ -4854,10 +4900,10 @@
       </p:sp>
       <p:sp>
         <p:nvSpPr>
-          <p:cNvPr id="256" name="사각형: 둥근 모서리 255">
-            <a:extLst>
-              <a:ext uri="{FF2B5EF4-FFF2-40B4-BE49-F238E27FC236}">
-                <a16:creationId xmlns:a16="http://schemas.microsoft.com/office/drawing/2014/main" id="{99F67991-1F22-4667-A514-9C1E61C0EB2C}"/>
+          <p:cNvPr id="257" name="사각형: 둥근 모서리 256">
+            <a:extLst>
+              <a:ext uri="{FF2B5EF4-FFF2-40B4-BE49-F238E27FC236}">
+                <a16:creationId xmlns:a16="http://schemas.microsoft.com/office/drawing/2014/main" id="{D20C7B63-66FC-461C-9807-A83866D698D7}"/>
               </a:ext>
             </a:extLst>
           </p:cNvPr>
@@ -4866,7 +4912,7 @@
         </p:nvSpPr>
         <p:spPr>
           <a:xfrm>
-            <a:off x="4020260" y="1424915"/>
+            <a:off x="3935889" y="1577315"/>
             <a:ext cx="1466831" cy="674455"/>
           </a:xfrm>
           <a:prstGeom prst="roundRect">
@@ -4896,7 +4942,7 @@
             <a:pPr algn="ctr"/>
             <a:r>
               <a:rPr lang="en-US" altLang="ko-KR" dirty="0"/>
-              <a:t>Controller</a:t>
+              <a:t>Core</a:t>
             </a:r>
           </a:p>
           <a:p>
@@ -4911,10 +4957,10 @@
       </p:sp>
       <p:sp>
         <p:nvSpPr>
-          <p:cNvPr id="257" name="사각형: 둥근 모서리 256">
-            <a:extLst>
-              <a:ext uri="{FF2B5EF4-FFF2-40B4-BE49-F238E27FC236}">
-                <a16:creationId xmlns:a16="http://schemas.microsoft.com/office/drawing/2014/main" id="{D20C7B63-66FC-461C-9807-A83866D698D7}"/>
+          <p:cNvPr id="261" name="사각형: 둥근 모서리 260">
+            <a:extLst>
+              <a:ext uri="{FF2B5EF4-FFF2-40B4-BE49-F238E27FC236}">
+                <a16:creationId xmlns:a16="http://schemas.microsoft.com/office/drawing/2014/main" id="{238B4346-A42A-45FA-8D53-1E862F7AC882}"/>
               </a:ext>
             </a:extLst>
           </p:cNvPr>
@@ -4923,8 +4969,8 @@
         </p:nvSpPr>
         <p:spPr>
           <a:xfrm>
-            <a:off x="4172660" y="1577315"/>
-            <a:ext cx="1466831" cy="674455"/>
+            <a:off x="9105436" y="1490223"/>
+            <a:ext cx="779354" cy="280647"/>
           </a:xfrm>
           <a:prstGeom prst="roundRect">
             <a:avLst/>
@@ -4953,25 +4999,17 @@
             <a:pPr algn="ctr"/>
             <a:r>
               <a:rPr lang="en-US" altLang="ko-KR" dirty="0"/>
-              <a:t>Controller</a:t>
-            </a:r>
-          </a:p>
-          <a:p>
-            <a:pPr algn="ctr"/>
-            <a:r>
-              <a:rPr lang="en-US" altLang="ko-KR" dirty="0"/>
-              <a:t>engine</a:t>
-            </a:r>
-            <a:endParaRPr lang="ko-KR" altLang="en-US" dirty="0"/>
-          </a:p>
-        </p:txBody>
-      </p:sp>
-      <p:sp>
-        <p:nvSpPr>
-          <p:cNvPr id="260" name="사각형: 둥근 모서리 259">
-            <a:extLst>
-              <a:ext uri="{FF2B5EF4-FFF2-40B4-BE49-F238E27FC236}">
-                <a16:creationId xmlns:a16="http://schemas.microsoft.com/office/drawing/2014/main" id="{38915642-0AD5-43C0-964A-680ADAA06CCE}"/>
+              <a:t>PLC</a:t>
+            </a:r>
+          </a:p>
+        </p:txBody>
+      </p:sp>
+      <p:sp>
+        <p:nvSpPr>
+          <p:cNvPr id="56" name="사각형: 둥근 모서리 55">
+            <a:extLst>
+              <a:ext uri="{FF2B5EF4-FFF2-40B4-BE49-F238E27FC236}">
+                <a16:creationId xmlns:a16="http://schemas.microsoft.com/office/drawing/2014/main" id="{1845CD7D-0287-4F6B-AD59-4E22D94AA92A}"/>
               </a:ext>
             </a:extLst>
           </p:cNvPr>
@@ -4980,122 +5018,8 @@
         </p:nvSpPr>
         <p:spPr>
           <a:xfrm>
-            <a:off x="8548713" y="1702951"/>
-            <a:ext cx="1231076" cy="592705"/>
-          </a:xfrm>
-          <a:prstGeom prst="roundRect">
-            <a:avLst/>
-          </a:prstGeom>
-        </p:spPr>
-        <p:style>
-          <a:lnRef idx="2">
-            <a:schemeClr val="accent1">
-              <a:shade val="50000"/>
-            </a:schemeClr>
-          </a:lnRef>
-          <a:fillRef idx="1">
-            <a:schemeClr val="accent1"/>
-          </a:fillRef>
-          <a:effectRef idx="0">
-            <a:schemeClr val="accent1"/>
-          </a:effectRef>
-          <a:fontRef idx="minor">
-            <a:schemeClr val="lt1"/>
-          </a:fontRef>
-        </p:style>
-        <p:txBody>
-          <a:bodyPr rtlCol="0" anchor="ctr"/>
-          <a:lstStyle/>
-          <a:p>
-            <a:pPr algn="ctr"/>
-            <a:r>
-              <a:rPr lang="en-US" altLang="ko-KR" dirty="0"/>
-              <a:t>PLC/</a:t>
-            </a:r>
-          </a:p>
-          <a:p>
-            <a:pPr algn="ctr"/>
-            <a:r>
-              <a:rPr lang="en-US" altLang="ko-KR" dirty="0"/>
-              <a:t>OPC</a:t>
-            </a:r>
-            <a:endParaRPr lang="ko-KR" altLang="en-US" dirty="0"/>
-          </a:p>
-        </p:txBody>
-      </p:sp>
-      <p:sp>
-        <p:nvSpPr>
-          <p:cNvPr id="261" name="사각형: 둥근 모서리 260">
-            <a:extLst>
-              <a:ext uri="{FF2B5EF4-FFF2-40B4-BE49-F238E27FC236}">
-                <a16:creationId xmlns:a16="http://schemas.microsoft.com/office/drawing/2014/main" id="{238B4346-A42A-45FA-8D53-1E862F7AC882}"/>
-              </a:ext>
-            </a:extLst>
-          </p:cNvPr>
-          <p:cNvSpPr/>
-          <p:nvPr/>
-        </p:nvSpPr>
-        <p:spPr>
-          <a:xfrm>
-            <a:off x="8701113" y="1855351"/>
-            <a:ext cx="1231076" cy="592705"/>
-          </a:xfrm>
-          <a:prstGeom prst="roundRect">
-            <a:avLst/>
-          </a:prstGeom>
-        </p:spPr>
-        <p:style>
-          <a:lnRef idx="2">
-            <a:schemeClr val="accent1">
-              <a:shade val="50000"/>
-            </a:schemeClr>
-          </a:lnRef>
-          <a:fillRef idx="1">
-            <a:schemeClr val="accent1"/>
-          </a:fillRef>
-          <a:effectRef idx="0">
-            <a:schemeClr val="accent1"/>
-          </a:effectRef>
-          <a:fontRef idx="minor">
-            <a:schemeClr val="lt1"/>
-          </a:fontRef>
-        </p:style>
-        <p:txBody>
-          <a:bodyPr rtlCol="0" anchor="ctr"/>
-          <a:lstStyle/>
-          <a:p>
-            <a:pPr algn="ctr"/>
-            <a:r>
-              <a:rPr lang="en-US" altLang="ko-KR" dirty="0"/>
-              <a:t>PLC/</a:t>
-            </a:r>
-          </a:p>
-          <a:p>
-            <a:pPr algn="ctr"/>
-            <a:r>
-              <a:rPr lang="en-US" altLang="ko-KR" dirty="0"/>
-              <a:t>OPC</a:t>
-            </a:r>
-            <a:endParaRPr lang="ko-KR" altLang="en-US" dirty="0"/>
-          </a:p>
-        </p:txBody>
-      </p:sp>
-      <p:sp>
-        <p:nvSpPr>
-          <p:cNvPr id="56" name="사각형: 둥근 모서리 55">
-            <a:extLst>
-              <a:ext uri="{FF2B5EF4-FFF2-40B4-BE49-F238E27FC236}">
-                <a16:creationId xmlns:a16="http://schemas.microsoft.com/office/drawing/2014/main" id="{1845CD7D-0287-4F6B-AD59-4E22D94AA92A}"/>
-              </a:ext>
-            </a:extLst>
-          </p:cNvPr>
-          <p:cNvSpPr/>
-          <p:nvPr/>
-        </p:nvSpPr>
-        <p:spPr>
-          <a:xfrm>
-            <a:off x="3867860" y="5585485"/>
-            <a:ext cx="1520664" cy="887173"/>
+            <a:off x="2326731" y="4648898"/>
+            <a:ext cx="1407234" cy="683049"/>
           </a:xfrm>
           <a:prstGeom prst="roundRect">
             <a:avLst/>
@@ -5123,24 +5047,24 @@
           <a:p>
             <a:pPr algn="ctr"/>
             <a:r>
-              <a:rPr lang="en-US" altLang="ko-KR" dirty="0"/>
+              <a:rPr lang="en-US" altLang="ko-KR" sz="1400" dirty="0"/>
               <a:t>SIM event</a:t>
             </a:r>
           </a:p>
           <a:p>
             <a:pPr algn="ctr"/>
             <a:r>
-              <a:rPr lang="en-US" altLang="ko-KR" dirty="0"/>
+              <a:rPr lang="en-US" altLang="ko-KR" sz="1400" dirty="0"/>
               <a:t>Manager</a:t>
             </a:r>
           </a:p>
           <a:p>
             <a:pPr algn="ctr"/>
             <a:r>
-              <a:rPr lang="en-US" altLang="ko-KR" dirty="0"/>
+              <a:rPr lang="en-US" altLang="ko-KR" sz="1400" dirty="0"/>
               <a:t>REST</a:t>
             </a:r>
-            <a:endParaRPr lang="ko-KR" altLang="en-US" dirty="0"/>
+            <a:endParaRPr lang="ko-KR" altLang="en-US" sz="1400" dirty="0"/>
           </a:p>
         </p:txBody>
       </p:sp>
@@ -5162,8 +5086,8 @@
         </p:nvCxnSpPr>
         <p:spPr>
           <a:xfrm rot="5400000">
-            <a:off x="3100277" y="3779685"/>
-            <a:ext cx="3333715" cy="277884"/>
+            <a:off x="2651263" y="2630856"/>
+            <a:ext cx="2397128" cy="1638957"/>
           </a:xfrm>
           <a:prstGeom prst="curvedConnector3">
             <a:avLst>
@@ -5207,7 +5131,7 @@
         </p:nvSpPr>
         <p:spPr>
           <a:xfrm>
-            <a:off x="1854280" y="5463102"/>
+            <a:off x="366793" y="5488260"/>
             <a:ext cx="1231076" cy="360218"/>
           </a:xfrm>
           <a:prstGeom prst="roundRect">
@@ -5259,14 +5183,14 @@
           <p:cNvCxnSpPr>
             <a:cxnSpLocks/>
             <a:stCxn id="65" idx="3"/>
-            <a:endCxn id="56" idx="1"/>
+            <a:endCxn id="54" idx="1"/>
           </p:cNvCxnSpPr>
           <p:nvPr/>
         </p:nvCxnSpPr>
         <p:spPr>
           <a:xfrm>
-            <a:off x="3085356" y="5643211"/>
-            <a:ext cx="782504" cy="385861"/>
+            <a:off x="1597869" y="5668369"/>
+            <a:ext cx="2730457" cy="184310"/>
           </a:xfrm>
           <a:prstGeom prst="curvedConnector3">
             <a:avLst>
@@ -5296,10 +5220,1701 @@
           </a:fontRef>
         </p:style>
       </p:cxnSp>
+      <p:cxnSp>
+        <p:nvCxnSpPr>
+          <p:cNvPr id="45" name="연결선: 구부러짐 44">
+            <a:extLst>
+              <a:ext uri="{FF2B5EF4-FFF2-40B4-BE49-F238E27FC236}">
+                <a16:creationId xmlns:a16="http://schemas.microsoft.com/office/drawing/2014/main" id="{8752F1A9-D2A2-46A4-ABD8-DAB44361E76B}"/>
+              </a:ext>
+            </a:extLst>
+          </p:cNvPr>
+          <p:cNvCxnSpPr>
+            <a:cxnSpLocks/>
+            <a:stCxn id="241" idx="1"/>
+            <a:endCxn id="29" idx="1"/>
+          </p:cNvCxnSpPr>
+          <p:nvPr/>
+        </p:nvCxnSpPr>
+        <p:spPr>
+          <a:xfrm rot="10800000">
+            <a:off x="8832137" y="4072944"/>
+            <a:ext cx="1509936" cy="1151908"/>
+          </a:xfrm>
+          <a:prstGeom prst="curvedConnector2">
+            <a:avLst/>
+          </a:prstGeom>
+          <a:ln>
+            <a:solidFill>
+              <a:srgbClr val="7030A0"/>
+            </a:solidFill>
+            <a:headEnd type="none"/>
+            <a:tailEnd type="triangle"/>
+          </a:ln>
+        </p:spPr>
+        <p:style>
+          <a:lnRef idx="1">
+            <a:schemeClr val="accent1"/>
+          </a:lnRef>
+          <a:fillRef idx="0">
+            <a:schemeClr val="accent1"/>
+          </a:fillRef>
+          <a:effectRef idx="0">
+            <a:schemeClr val="accent1"/>
+          </a:effectRef>
+          <a:fontRef idx="minor">
+            <a:schemeClr val="tx1"/>
+          </a:fontRef>
+        </p:style>
+      </p:cxnSp>
+      <p:sp>
+        <p:nvSpPr>
+          <p:cNvPr id="15" name="TextBox 14">
+            <a:extLst>
+              <a:ext uri="{FF2B5EF4-FFF2-40B4-BE49-F238E27FC236}">
+                <a16:creationId xmlns:a16="http://schemas.microsoft.com/office/drawing/2014/main" id="{F84B52E7-A2F5-4DE2-A468-603148D0D140}"/>
+              </a:ext>
+            </a:extLst>
+          </p:cNvPr>
+          <p:cNvSpPr txBox="1"/>
+          <p:nvPr/>
+        </p:nvSpPr>
+        <p:spPr>
+          <a:xfrm>
+            <a:off x="307868" y="4298178"/>
+            <a:ext cx="1218603" cy="430887"/>
+          </a:xfrm>
+          <a:prstGeom prst="rect">
+            <a:avLst/>
+          </a:prstGeom>
+          <a:noFill/>
+        </p:spPr>
+        <p:txBody>
+          <a:bodyPr wrap="none" rtlCol="0">
+            <a:spAutoFit/>
+          </a:bodyPr>
+          <a:lstStyle/>
+          <a:p>
+            <a:r>
+              <a:rPr lang="en-US" altLang="ko-KR" sz="1100" dirty="0"/>
+              <a:t>Html, </a:t>
+            </a:r>
+            <a:r>
+              <a:rPr lang="en-US" altLang="ko-KR" sz="1100" dirty="0" err="1"/>
+              <a:t>Javascript</a:t>
+            </a:r>
+            <a:r>
+              <a:rPr lang="en-US" altLang="ko-KR" sz="1100" dirty="0"/>
+              <a:t>,</a:t>
+            </a:r>
+          </a:p>
+          <a:p>
+            <a:r>
+              <a:rPr lang="en-US" altLang="ko-KR" sz="1100" dirty="0"/>
+              <a:t>node-</a:t>
+            </a:r>
+            <a:r>
+              <a:rPr lang="en-US" altLang="ko-KR" sz="1100" dirty="0" err="1"/>
+              <a:t>opcua</a:t>
+            </a:r>
+            <a:endParaRPr lang="ko-KR" altLang="en-US" sz="1100" dirty="0"/>
+          </a:p>
+        </p:txBody>
+      </p:sp>
+      <p:sp>
+        <p:nvSpPr>
+          <p:cNvPr id="49" name="TextBox 48">
+            <a:extLst>
+              <a:ext uri="{FF2B5EF4-FFF2-40B4-BE49-F238E27FC236}">
+                <a16:creationId xmlns:a16="http://schemas.microsoft.com/office/drawing/2014/main" id="{E76D3F2E-0BF7-4AC8-BEA1-506E8B862E3A}"/>
+              </a:ext>
+            </a:extLst>
+          </p:cNvPr>
+          <p:cNvSpPr txBox="1"/>
+          <p:nvPr/>
+        </p:nvSpPr>
+        <p:spPr>
+          <a:xfrm>
+            <a:off x="5913357" y="4091259"/>
+            <a:ext cx="1322798" cy="430887"/>
+          </a:xfrm>
+          <a:prstGeom prst="rect">
+            <a:avLst/>
+          </a:prstGeom>
+          <a:noFill/>
+        </p:spPr>
+        <p:txBody>
+          <a:bodyPr wrap="none" rtlCol="0">
+            <a:spAutoFit/>
+          </a:bodyPr>
+          <a:lstStyle/>
+          <a:p>
+            <a:r>
+              <a:rPr lang="en-US" altLang="ko-KR" sz="1100" dirty="0">
+                <a:hlinkClick r:id="rId2"/>
+              </a:rPr>
+              <a:t>http://localhost/</a:t>
+            </a:r>
+            <a:r>
+              <a:rPr lang="en-US" altLang="ko-KR" sz="1100" dirty="0"/>
+              <a:t>...</a:t>
+            </a:r>
+          </a:p>
+          <a:p>
+            <a:r>
+              <a:rPr lang="en-US" altLang="ko-KR" sz="1100" dirty="0"/>
+              <a:t>python or node.js</a:t>
+            </a:r>
+            <a:endParaRPr lang="ko-KR" altLang="en-US" sz="1100" dirty="0"/>
+          </a:p>
+        </p:txBody>
+      </p:sp>
+      <p:sp>
+        <p:nvSpPr>
+          <p:cNvPr id="50" name="TextBox 49">
+            <a:extLst>
+              <a:ext uri="{FF2B5EF4-FFF2-40B4-BE49-F238E27FC236}">
+                <a16:creationId xmlns:a16="http://schemas.microsoft.com/office/drawing/2014/main" id="{C18FBEB4-C11A-4B24-A09C-FF173BD15C97}"/>
+              </a:ext>
+            </a:extLst>
+          </p:cNvPr>
+          <p:cNvSpPr txBox="1"/>
+          <p:nvPr/>
+        </p:nvSpPr>
+        <p:spPr>
+          <a:xfrm>
+            <a:off x="2401232" y="5337491"/>
+            <a:ext cx="1309974" cy="261610"/>
+          </a:xfrm>
+          <a:prstGeom prst="rect">
+            <a:avLst/>
+          </a:prstGeom>
+          <a:noFill/>
+        </p:spPr>
+        <p:txBody>
+          <a:bodyPr wrap="none" rtlCol="0">
+            <a:spAutoFit/>
+          </a:bodyPr>
+          <a:lstStyle/>
+          <a:p>
+            <a:r>
+              <a:rPr lang="en-US" altLang="ko-KR" sz="1100" dirty="0"/>
+              <a:t>http://localhost/...</a:t>
+            </a:r>
+            <a:endParaRPr lang="ko-KR" altLang="en-US" sz="1100" dirty="0"/>
+          </a:p>
+        </p:txBody>
+      </p:sp>
+      <p:sp>
+        <p:nvSpPr>
+          <p:cNvPr id="54" name="사각형: 둥근 모서리 53">
+            <a:extLst>
+              <a:ext uri="{FF2B5EF4-FFF2-40B4-BE49-F238E27FC236}">
+                <a16:creationId xmlns:a16="http://schemas.microsoft.com/office/drawing/2014/main" id="{A851DFD0-86AD-49AA-A138-9EBEC890D396}"/>
+              </a:ext>
+            </a:extLst>
+          </p:cNvPr>
+          <p:cNvSpPr/>
+          <p:nvPr/>
+        </p:nvSpPr>
+        <p:spPr>
+          <a:xfrm>
+            <a:off x="4328326" y="5556326"/>
+            <a:ext cx="1231076" cy="592705"/>
+          </a:xfrm>
+          <a:prstGeom prst="roundRect">
+            <a:avLst/>
+          </a:prstGeom>
+        </p:spPr>
+        <p:style>
+          <a:lnRef idx="2">
+            <a:schemeClr val="accent6">
+              <a:shade val="50000"/>
+            </a:schemeClr>
+          </a:lnRef>
+          <a:fillRef idx="1">
+            <a:schemeClr val="accent6"/>
+          </a:fillRef>
+          <a:effectRef idx="0">
+            <a:schemeClr val="accent6"/>
+          </a:effectRef>
+          <a:fontRef idx="minor">
+            <a:schemeClr val="lt1"/>
+          </a:fontRef>
+        </p:style>
+        <p:txBody>
+          <a:bodyPr rtlCol="0" anchor="ctr"/>
+          <a:lstStyle/>
+          <a:p>
+            <a:pPr algn="ctr"/>
+            <a:r>
+              <a:rPr lang="en-US" altLang="ko-KR" dirty="0"/>
+              <a:t>SIM OPC</a:t>
+            </a:r>
+          </a:p>
+          <a:p>
+            <a:pPr algn="ctr"/>
+            <a:r>
+              <a:rPr lang="en-US" altLang="ko-KR" dirty="0"/>
+              <a:t>Server</a:t>
+            </a:r>
+            <a:endParaRPr lang="ko-KR" altLang="en-US" dirty="0"/>
+          </a:p>
+        </p:txBody>
+      </p:sp>
+      <p:cxnSp>
+        <p:nvCxnSpPr>
+          <p:cNvPr id="55" name="연결선: 구부러짐 54">
+            <a:extLst>
+              <a:ext uri="{FF2B5EF4-FFF2-40B4-BE49-F238E27FC236}">
+                <a16:creationId xmlns:a16="http://schemas.microsoft.com/office/drawing/2014/main" id="{0FB03483-C667-41C6-8C28-59DA4EC129BA}"/>
+              </a:ext>
+            </a:extLst>
+          </p:cNvPr>
+          <p:cNvCxnSpPr>
+            <a:cxnSpLocks/>
+            <a:stCxn id="56" idx="3"/>
+            <a:endCxn id="54" idx="1"/>
+          </p:cNvCxnSpPr>
+          <p:nvPr/>
+        </p:nvCxnSpPr>
+        <p:spPr>
+          <a:xfrm>
+            <a:off x="3733965" y="4990423"/>
+            <a:ext cx="594361" cy="862256"/>
+          </a:xfrm>
+          <a:prstGeom prst="curvedConnector3">
+            <a:avLst>
+              <a:gd name="adj1" fmla="val 50000"/>
+            </a:avLst>
+          </a:prstGeom>
+          <a:ln>
+            <a:solidFill>
+              <a:schemeClr val="accent6"/>
+            </a:solidFill>
+            <a:headEnd type="triangle"/>
+            <a:tailEnd type="triangle"/>
+          </a:ln>
+        </p:spPr>
+        <p:style>
+          <a:lnRef idx="1">
+            <a:schemeClr val="accent1"/>
+          </a:lnRef>
+          <a:fillRef idx="0">
+            <a:schemeClr val="accent1"/>
+          </a:fillRef>
+          <a:effectRef idx="0">
+            <a:schemeClr val="accent1"/>
+          </a:effectRef>
+          <a:fontRef idx="minor">
+            <a:schemeClr val="tx1"/>
+          </a:fontRef>
+        </p:style>
+      </p:cxnSp>
+      <p:cxnSp>
+        <p:nvCxnSpPr>
+          <p:cNvPr id="61" name="연결선: 구부러짐 60">
+            <a:extLst>
+              <a:ext uri="{FF2B5EF4-FFF2-40B4-BE49-F238E27FC236}">
+                <a16:creationId xmlns:a16="http://schemas.microsoft.com/office/drawing/2014/main" id="{C09A17E0-2E36-459B-85A8-D7CB53F6743F}"/>
+              </a:ext>
+            </a:extLst>
+          </p:cNvPr>
+          <p:cNvCxnSpPr>
+            <a:cxnSpLocks/>
+            <a:stCxn id="86" idx="3"/>
+            <a:endCxn id="54" idx="1"/>
+          </p:cNvCxnSpPr>
+          <p:nvPr/>
+        </p:nvCxnSpPr>
+        <p:spPr>
+          <a:xfrm flipV="1">
+            <a:off x="1587751" y="5852679"/>
+            <a:ext cx="2740575" cy="536883"/>
+          </a:xfrm>
+          <a:prstGeom prst="curvedConnector3">
+            <a:avLst>
+              <a:gd name="adj1" fmla="val 50000"/>
+            </a:avLst>
+          </a:prstGeom>
+          <a:ln>
+            <a:solidFill>
+              <a:schemeClr val="accent6"/>
+            </a:solidFill>
+            <a:headEnd type="triangle"/>
+            <a:tailEnd type="triangle"/>
+          </a:ln>
+        </p:spPr>
+        <p:style>
+          <a:lnRef idx="1">
+            <a:schemeClr val="accent1"/>
+          </a:lnRef>
+          <a:fillRef idx="0">
+            <a:schemeClr val="accent1"/>
+          </a:fillRef>
+          <a:effectRef idx="0">
+            <a:schemeClr val="accent1"/>
+          </a:effectRef>
+          <a:fontRef idx="minor">
+            <a:schemeClr val="tx1"/>
+          </a:fontRef>
+        </p:style>
+      </p:cxnSp>
+      <p:sp>
+        <p:nvSpPr>
+          <p:cNvPr id="62" name="TextBox 61">
+            <a:extLst>
+              <a:ext uri="{FF2B5EF4-FFF2-40B4-BE49-F238E27FC236}">
+                <a16:creationId xmlns:a16="http://schemas.microsoft.com/office/drawing/2014/main" id="{43AB54EB-97B3-4C06-B255-F1E29A18C84D}"/>
+              </a:ext>
+            </a:extLst>
+          </p:cNvPr>
+          <p:cNvSpPr txBox="1"/>
+          <p:nvPr/>
+        </p:nvSpPr>
+        <p:spPr>
+          <a:xfrm>
+            <a:off x="4544555" y="6149031"/>
+            <a:ext cx="635110" cy="261610"/>
+          </a:xfrm>
+          <a:prstGeom prst="rect">
+            <a:avLst/>
+          </a:prstGeom>
+          <a:noFill/>
+        </p:spPr>
+        <p:txBody>
+          <a:bodyPr wrap="none" rtlCol="0">
+            <a:spAutoFit/>
+          </a:bodyPr>
+          <a:lstStyle/>
+          <a:p>
+            <a:r>
+              <a:rPr lang="en-US" altLang="ko-KR" sz="1100" dirty="0"/>
+              <a:t>python</a:t>
+            </a:r>
+            <a:endParaRPr lang="ko-KR" altLang="en-US" sz="1100" dirty="0"/>
+          </a:p>
+        </p:txBody>
+      </p:sp>
+      <p:sp>
+        <p:nvSpPr>
+          <p:cNvPr id="43" name="원통형 42">
+            <a:extLst>
+              <a:ext uri="{FF2B5EF4-FFF2-40B4-BE49-F238E27FC236}">
+                <a16:creationId xmlns:a16="http://schemas.microsoft.com/office/drawing/2014/main" id="{556BD75E-6944-4E1C-8DD9-D4CE54399741}"/>
+              </a:ext>
+            </a:extLst>
+          </p:cNvPr>
+          <p:cNvSpPr/>
+          <p:nvPr/>
+        </p:nvSpPr>
+        <p:spPr>
+          <a:xfrm>
+            <a:off x="6288280" y="4600051"/>
+            <a:ext cx="645713" cy="322244"/>
+          </a:xfrm>
+          <a:prstGeom prst="can">
+            <a:avLst/>
+          </a:prstGeom>
+        </p:spPr>
+        <p:style>
+          <a:lnRef idx="1">
+            <a:schemeClr val="accent3"/>
+          </a:lnRef>
+          <a:fillRef idx="3">
+            <a:schemeClr val="accent3"/>
+          </a:fillRef>
+          <a:effectRef idx="2">
+            <a:schemeClr val="accent3"/>
+          </a:effectRef>
+          <a:fontRef idx="minor">
+            <a:schemeClr val="lt1"/>
+          </a:fontRef>
+        </p:style>
+        <p:txBody>
+          <a:bodyPr rtlCol="0" anchor="ctr"/>
+          <a:lstStyle/>
+          <a:p>
+            <a:pPr algn="ctr"/>
+            <a:r>
+              <a:rPr lang="en-US" altLang="ko-KR" dirty="0"/>
+              <a:t>DB</a:t>
+            </a:r>
+            <a:endParaRPr lang="ko-KR" altLang="en-US" dirty="0"/>
+          </a:p>
+        </p:txBody>
+      </p:sp>
+      <p:cxnSp>
+        <p:nvCxnSpPr>
+          <p:cNvPr id="79" name="연결선: 구부러짐 78">
+            <a:extLst>
+              <a:ext uri="{FF2B5EF4-FFF2-40B4-BE49-F238E27FC236}">
+                <a16:creationId xmlns:a16="http://schemas.microsoft.com/office/drawing/2014/main" id="{95A3B117-5356-4BB2-9B15-0CFB6615FE79}"/>
+              </a:ext>
+            </a:extLst>
+          </p:cNvPr>
+          <p:cNvCxnSpPr>
+            <a:cxnSpLocks/>
+            <a:stCxn id="9" idx="2"/>
+            <a:endCxn id="43" idx="0"/>
+          </p:cNvCxnSpPr>
+          <p:nvPr/>
+        </p:nvCxnSpPr>
+        <p:spPr>
+          <a:xfrm rot="16200000" flipH="1">
+            <a:off x="6285907" y="4355382"/>
+            <a:ext cx="607668" cy="42792"/>
+          </a:xfrm>
+          <a:prstGeom prst="curvedConnector3">
+            <a:avLst>
+              <a:gd name="adj1" fmla="val 50000"/>
+            </a:avLst>
+          </a:prstGeom>
+          <a:ln>
+            <a:headEnd type="triangle"/>
+            <a:tailEnd type="triangle"/>
+          </a:ln>
+        </p:spPr>
+        <p:style>
+          <a:lnRef idx="1">
+            <a:schemeClr val="accent1"/>
+          </a:lnRef>
+          <a:fillRef idx="0">
+            <a:schemeClr val="accent1"/>
+          </a:fillRef>
+          <a:effectRef idx="0">
+            <a:schemeClr val="accent1"/>
+          </a:effectRef>
+          <a:fontRef idx="minor">
+            <a:schemeClr val="tx1"/>
+          </a:fontRef>
+        </p:style>
+      </p:cxnSp>
+      <p:sp>
+        <p:nvSpPr>
+          <p:cNvPr id="84" name="TextBox 83">
+            <a:extLst>
+              <a:ext uri="{FF2B5EF4-FFF2-40B4-BE49-F238E27FC236}">
+                <a16:creationId xmlns:a16="http://schemas.microsoft.com/office/drawing/2014/main" id="{8D7C3D8A-04B5-4B81-9626-5438AC9B7F2C}"/>
+              </a:ext>
+            </a:extLst>
+          </p:cNvPr>
+          <p:cNvSpPr txBox="1"/>
+          <p:nvPr/>
+        </p:nvSpPr>
+        <p:spPr>
+          <a:xfrm>
+            <a:off x="437085" y="3074794"/>
+            <a:ext cx="1114408" cy="430887"/>
+          </a:xfrm>
+          <a:prstGeom prst="rect">
+            <a:avLst/>
+          </a:prstGeom>
+          <a:noFill/>
+        </p:spPr>
+        <p:txBody>
+          <a:bodyPr wrap="none" rtlCol="0">
+            <a:spAutoFit/>
+          </a:bodyPr>
+          <a:lstStyle/>
+          <a:p>
+            <a:r>
+              <a:rPr lang="en-US" altLang="ko-KR" sz="1100" dirty="0" err="1"/>
+              <a:t>WebGLStudio</a:t>
+            </a:r>
+            <a:r>
+              <a:rPr lang="en-US" altLang="ko-KR" sz="1100" dirty="0"/>
+              <a:t>/</a:t>
+            </a:r>
+          </a:p>
+          <a:p>
+            <a:r>
+              <a:rPr lang="en-US" altLang="ko-KR" sz="1100" dirty="0" err="1"/>
+              <a:t>LiteGraph</a:t>
+            </a:r>
+            <a:endParaRPr lang="ko-KR" altLang="en-US" sz="1100" dirty="0"/>
+          </a:p>
+        </p:txBody>
+      </p:sp>
+      <p:sp>
+        <p:nvSpPr>
+          <p:cNvPr id="85" name="TextBox 84">
+            <a:extLst>
+              <a:ext uri="{FF2B5EF4-FFF2-40B4-BE49-F238E27FC236}">
+                <a16:creationId xmlns:a16="http://schemas.microsoft.com/office/drawing/2014/main" id="{49D01B64-D003-42CE-9848-586C92534BC5}"/>
+              </a:ext>
+            </a:extLst>
+          </p:cNvPr>
+          <p:cNvSpPr txBox="1"/>
+          <p:nvPr/>
+        </p:nvSpPr>
+        <p:spPr>
+          <a:xfrm>
+            <a:off x="7353075" y="2115724"/>
+            <a:ext cx="1257075" cy="230832"/>
+          </a:xfrm>
+          <a:prstGeom prst="rect">
+            <a:avLst/>
+          </a:prstGeom>
+          <a:noFill/>
+        </p:spPr>
+        <p:txBody>
+          <a:bodyPr wrap="none" rtlCol="0">
+            <a:spAutoFit/>
+          </a:bodyPr>
+          <a:lstStyle/>
+          <a:p>
+            <a:r>
+              <a:rPr lang="en-US" altLang="ko-KR" sz="900" dirty="0"/>
+              <a:t>Python or </a:t>
+            </a:r>
+            <a:r>
+              <a:rPr lang="en-US" altLang="ko-KR" sz="900" dirty="0" err="1"/>
+              <a:t>KEPServer</a:t>
+            </a:r>
+            <a:endParaRPr lang="ko-KR" altLang="en-US" sz="900" dirty="0"/>
+          </a:p>
+        </p:txBody>
+      </p:sp>
+      <p:sp>
+        <p:nvSpPr>
+          <p:cNvPr id="87" name="TextBox 86">
+            <a:extLst>
+              <a:ext uri="{FF2B5EF4-FFF2-40B4-BE49-F238E27FC236}">
+                <a16:creationId xmlns:a16="http://schemas.microsoft.com/office/drawing/2014/main" id="{886859C3-B774-4132-B2FB-A916834E4755}"/>
+              </a:ext>
+            </a:extLst>
+          </p:cNvPr>
+          <p:cNvSpPr txBox="1"/>
+          <p:nvPr/>
+        </p:nvSpPr>
+        <p:spPr>
+          <a:xfrm>
+            <a:off x="10391524" y="5507181"/>
+            <a:ext cx="1188146" cy="261610"/>
+          </a:xfrm>
+          <a:prstGeom prst="rect">
+            <a:avLst/>
+          </a:prstGeom>
+          <a:noFill/>
+        </p:spPr>
+        <p:txBody>
+          <a:bodyPr wrap="none" rtlCol="0">
+            <a:spAutoFit/>
+          </a:bodyPr>
+          <a:lstStyle/>
+          <a:p>
+            <a:r>
+              <a:rPr lang="en-US" altLang="ko-KR" sz="1100" dirty="0"/>
+              <a:t>Html, </a:t>
+            </a:r>
+            <a:r>
+              <a:rPr lang="en-US" altLang="ko-KR" sz="1100" dirty="0" err="1"/>
+              <a:t>Javascript</a:t>
+            </a:r>
+            <a:endParaRPr lang="ko-KR" altLang="en-US" sz="1100" dirty="0"/>
+          </a:p>
+        </p:txBody>
+      </p:sp>
+      <p:sp>
+        <p:nvSpPr>
+          <p:cNvPr id="52" name="TextBox 51">
+            <a:extLst>
+              <a:ext uri="{FF2B5EF4-FFF2-40B4-BE49-F238E27FC236}">
+                <a16:creationId xmlns:a16="http://schemas.microsoft.com/office/drawing/2014/main" id="{6118DE27-B905-40D9-91FE-1DCE1FD46F2E}"/>
+              </a:ext>
+            </a:extLst>
+          </p:cNvPr>
+          <p:cNvSpPr txBox="1"/>
+          <p:nvPr/>
+        </p:nvSpPr>
+        <p:spPr>
+          <a:xfrm rot="2542598">
+            <a:off x="8575853" y="4803846"/>
+            <a:ext cx="1439818" cy="215444"/>
+          </a:xfrm>
+          <a:prstGeom prst="rect">
+            <a:avLst/>
+          </a:prstGeom>
+          <a:noFill/>
+        </p:spPr>
+        <p:txBody>
+          <a:bodyPr wrap="none" rtlCol="0">
+            <a:spAutoFit/>
+          </a:bodyPr>
+          <a:lstStyle/>
+          <a:p>
+            <a:r>
+              <a:rPr lang="ko-KR" altLang="en-US" sz="800" dirty="0"/>
+              <a:t>제어는 </a:t>
+            </a:r>
+            <a:r>
+              <a:rPr lang="en-US" altLang="ko-KR" sz="800" dirty="0"/>
+              <a:t>OPC server</a:t>
+            </a:r>
+            <a:r>
+              <a:rPr lang="ko-KR" altLang="en-US" sz="800" dirty="0"/>
+              <a:t>와 직접</a:t>
+            </a:r>
+            <a:r>
+              <a:rPr lang="en-US" altLang="ko-KR" sz="800" dirty="0"/>
+              <a:t>?</a:t>
+            </a:r>
+            <a:endParaRPr lang="ko-KR" altLang="en-US" sz="800" dirty="0"/>
+          </a:p>
+        </p:txBody>
+      </p:sp>
+      <p:cxnSp>
+        <p:nvCxnSpPr>
+          <p:cNvPr id="74" name="직선 연결선 73">
+            <a:extLst>
+              <a:ext uri="{FF2B5EF4-FFF2-40B4-BE49-F238E27FC236}">
+                <a16:creationId xmlns:a16="http://schemas.microsoft.com/office/drawing/2014/main" id="{54654C43-C49F-4AC7-A13C-A83AB94D99EF}"/>
+              </a:ext>
+            </a:extLst>
+          </p:cNvPr>
+          <p:cNvCxnSpPr/>
+          <p:nvPr/>
+        </p:nvCxnSpPr>
+        <p:spPr>
+          <a:xfrm>
+            <a:off x="5716083" y="728053"/>
+            <a:ext cx="0" cy="5949557"/>
+          </a:xfrm>
+          <a:prstGeom prst="line">
+            <a:avLst/>
+          </a:prstGeom>
+        </p:spPr>
+        <p:style>
+          <a:lnRef idx="1">
+            <a:schemeClr val="accent1"/>
+          </a:lnRef>
+          <a:fillRef idx="0">
+            <a:schemeClr val="accent1"/>
+          </a:fillRef>
+          <a:effectRef idx="0">
+            <a:schemeClr val="accent1"/>
+          </a:effectRef>
+          <a:fontRef idx="minor">
+            <a:schemeClr val="tx1"/>
+          </a:fontRef>
+        </p:style>
+      </p:cxnSp>
+      <p:sp>
+        <p:nvSpPr>
+          <p:cNvPr id="112" name="사각형: 둥근 모서리 111">
+            <a:extLst>
+              <a:ext uri="{FF2B5EF4-FFF2-40B4-BE49-F238E27FC236}">
+                <a16:creationId xmlns:a16="http://schemas.microsoft.com/office/drawing/2014/main" id="{4EB925A4-A0DC-4A12-9506-4A36FE260866}"/>
+              </a:ext>
+            </a:extLst>
+          </p:cNvPr>
+          <p:cNvSpPr/>
+          <p:nvPr/>
+        </p:nvSpPr>
+        <p:spPr>
+          <a:xfrm>
+            <a:off x="7542065" y="6037469"/>
+            <a:ext cx="1188808" cy="545782"/>
+          </a:xfrm>
+          <a:prstGeom prst="roundRect">
+            <a:avLst/>
+          </a:prstGeom>
+        </p:spPr>
+        <p:style>
+          <a:lnRef idx="1">
+            <a:schemeClr val="accent3"/>
+          </a:lnRef>
+          <a:fillRef idx="3">
+            <a:schemeClr val="accent3"/>
+          </a:fillRef>
+          <a:effectRef idx="2">
+            <a:schemeClr val="accent3"/>
+          </a:effectRef>
+          <a:fontRef idx="minor">
+            <a:schemeClr val="lt1"/>
+          </a:fontRef>
+        </p:style>
+        <p:txBody>
+          <a:bodyPr rtlCol="0" anchor="ctr"/>
+          <a:lstStyle/>
+          <a:p>
+            <a:pPr algn="ctr"/>
+            <a:r>
+              <a:rPr lang="en-US" altLang="ko-KR" dirty="0" err="1"/>
+              <a:t>Vscode</a:t>
+            </a:r>
+            <a:endParaRPr lang="en-US" altLang="ko-KR" dirty="0"/>
+          </a:p>
+          <a:p>
+            <a:pPr algn="ctr"/>
+            <a:r>
+              <a:rPr lang="ko-KR" altLang="en-US" dirty="0"/>
+              <a:t>확장</a:t>
+            </a:r>
+          </a:p>
+        </p:txBody>
+      </p:sp>
+      <p:sp>
+        <p:nvSpPr>
+          <p:cNvPr id="113" name="TextBox 112">
+            <a:extLst>
+              <a:ext uri="{FF2B5EF4-FFF2-40B4-BE49-F238E27FC236}">
+                <a16:creationId xmlns:a16="http://schemas.microsoft.com/office/drawing/2014/main" id="{78A277CD-CF14-41CC-9440-CFA9A5AA5403}"/>
+              </a:ext>
+            </a:extLst>
+          </p:cNvPr>
+          <p:cNvSpPr txBox="1"/>
+          <p:nvPr/>
+        </p:nvSpPr>
+        <p:spPr>
+          <a:xfrm>
+            <a:off x="6198241" y="4922295"/>
+            <a:ext cx="875561" cy="338554"/>
+          </a:xfrm>
+          <a:prstGeom prst="rect">
+            <a:avLst/>
+          </a:prstGeom>
+          <a:noFill/>
+        </p:spPr>
+        <p:txBody>
+          <a:bodyPr wrap="none" rtlCol="0">
+            <a:spAutoFit/>
+          </a:bodyPr>
+          <a:lstStyle/>
+          <a:p>
+            <a:r>
+              <a:rPr lang="en-US" altLang="ko-KR" sz="800" dirty="0"/>
+              <a:t>Local</a:t>
+            </a:r>
+            <a:r>
+              <a:rPr lang="ko-KR" altLang="en-US" sz="800" dirty="0"/>
+              <a:t> </a:t>
+            </a:r>
+            <a:r>
+              <a:rPr lang="en-US" altLang="ko-KR" sz="800" dirty="0"/>
+              <a:t>database</a:t>
+            </a:r>
+          </a:p>
+          <a:p>
+            <a:r>
+              <a:rPr lang="en-US" altLang="ko-KR" sz="800" dirty="0" err="1"/>
+              <a:t>sqlite</a:t>
+            </a:r>
+            <a:endParaRPr lang="ko-KR" altLang="en-US" sz="800" dirty="0"/>
+          </a:p>
+        </p:txBody>
+      </p:sp>
+      <p:sp>
+        <p:nvSpPr>
+          <p:cNvPr id="115" name="사각형: 둥근 모서리 114">
+            <a:extLst>
+              <a:ext uri="{FF2B5EF4-FFF2-40B4-BE49-F238E27FC236}">
+                <a16:creationId xmlns:a16="http://schemas.microsoft.com/office/drawing/2014/main" id="{503C297A-90D0-4AB6-A86E-339D7C55FF7F}"/>
+              </a:ext>
+            </a:extLst>
+          </p:cNvPr>
+          <p:cNvSpPr/>
+          <p:nvPr/>
+        </p:nvSpPr>
+        <p:spPr>
+          <a:xfrm>
+            <a:off x="9115919" y="2156927"/>
+            <a:ext cx="790828" cy="297806"/>
+          </a:xfrm>
+          <a:prstGeom prst="roundRect">
+            <a:avLst/>
+          </a:prstGeom>
+        </p:spPr>
+        <p:style>
+          <a:lnRef idx="2">
+            <a:schemeClr val="accent1">
+              <a:shade val="50000"/>
+            </a:schemeClr>
+          </a:lnRef>
+          <a:fillRef idx="1">
+            <a:schemeClr val="accent1"/>
+          </a:fillRef>
+          <a:effectRef idx="0">
+            <a:schemeClr val="accent1"/>
+          </a:effectRef>
+          <a:fontRef idx="minor">
+            <a:schemeClr val="lt1"/>
+          </a:fontRef>
+        </p:style>
+        <p:txBody>
+          <a:bodyPr rtlCol="0" anchor="ctr"/>
+          <a:lstStyle/>
+          <a:p>
+            <a:pPr algn="ctr"/>
+            <a:r>
+              <a:rPr lang="en-US" altLang="ko-KR" sz="800" dirty="0"/>
+              <a:t>PAIX</a:t>
+            </a:r>
+            <a:r>
+              <a:rPr lang="ko-KR" altLang="en-US" sz="800" dirty="0"/>
+              <a:t> </a:t>
+            </a:r>
+            <a:r>
+              <a:rPr lang="en-US" altLang="ko-KR" sz="800" dirty="0" err="1"/>
+              <a:t>warpper</a:t>
+            </a:r>
+            <a:endParaRPr lang="ko-KR" altLang="en-US" sz="800" dirty="0"/>
+          </a:p>
+        </p:txBody>
+      </p:sp>
+      <p:cxnSp>
+        <p:nvCxnSpPr>
+          <p:cNvPr id="116" name="직선 화살표 연결선 115">
+            <a:extLst>
+              <a:ext uri="{FF2B5EF4-FFF2-40B4-BE49-F238E27FC236}">
+                <a16:creationId xmlns:a16="http://schemas.microsoft.com/office/drawing/2014/main" id="{43B4A630-811A-44E2-9769-DBB88C688D24}"/>
+              </a:ext>
+            </a:extLst>
+          </p:cNvPr>
+          <p:cNvCxnSpPr>
+            <a:cxnSpLocks/>
+            <a:stCxn id="32" idx="3"/>
+            <a:endCxn id="115" idx="1"/>
+          </p:cNvCxnSpPr>
+          <p:nvPr/>
+        </p:nvCxnSpPr>
+        <p:spPr>
+          <a:xfrm>
+            <a:off x="8624913" y="1846904"/>
+            <a:ext cx="491006" cy="458926"/>
+          </a:xfrm>
+          <a:prstGeom prst="straightConnector1">
+            <a:avLst/>
+          </a:prstGeom>
+          <a:ln>
+            <a:headEnd type="triangle"/>
+            <a:tailEnd type="triangle"/>
+          </a:ln>
+        </p:spPr>
+        <p:style>
+          <a:lnRef idx="1">
+            <a:schemeClr val="accent1"/>
+          </a:lnRef>
+          <a:fillRef idx="0">
+            <a:schemeClr val="accent1"/>
+          </a:fillRef>
+          <a:effectRef idx="0">
+            <a:schemeClr val="accent1"/>
+          </a:effectRef>
+          <a:fontRef idx="minor">
+            <a:schemeClr val="tx1"/>
+          </a:fontRef>
+        </p:style>
+      </p:cxnSp>
+      <p:sp>
+        <p:nvSpPr>
+          <p:cNvPr id="120" name="TextBox 119">
+            <a:extLst>
+              <a:ext uri="{FF2B5EF4-FFF2-40B4-BE49-F238E27FC236}">
+                <a16:creationId xmlns:a16="http://schemas.microsoft.com/office/drawing/2014/main" id="{E54E3DD2-4CA1-459B-B590-A4B10DCACCDE}"/>
+              </a:ext>
+            </a:extLst>
+          </p:cNvPr>
+          <p:cNvSpPr txBox="1"/>
+          <p:nvPr/>
+        </p:nvSpPr>
+        <p:spPr>
+          <a:xfrm>
+            <a:off x="9006871" y="1949706"/>
+            <a:ext cx="354584" cy="261610"/>
+          </a:xfrm>
+          <a:prstGeom prst="rect">
+            <a:avLst/>
+          </a:prstGeom>
+          <a:noFill/>
+        </p:spPr>
+        <p:txBody>
+          <a:bodyPr wrap="none" rtlCol="0">
+            <a:spAutoFit/>
+          </a:bodyPr>
+          <a:lstStyle/>
+          <a:p>
+            <a:r>
+              <a:rPr lang="en-US" altLang="ko-KR" sz="1100" dirty="0"/>
+              <a:t>PC</a:t>
+            </a:r>
+            <a:endParaRPr lang="ko-KR" altLang="en-US" sz="1100" dirty="0"/>
+          </a:p>
+        </p:txBody>
+      </p:sp>
+      <p:sp>
+        <p:nvSpPr>
+          <p:cNvPr id="121" name="TextBox 120">
+            <a:extLst>
+              <a:ext uri="{FF2B5EF4-FFF2-40B4-BE49-F238E27FC236}">
+                <a16:creationId xmlns:a16="http://schemas.microsoft.com/office/drawing/2014/main" id="{794C84E7-2F3E-4EE3-9830-E07A30CC2F0C}"/>
+              </a:ext>
+            </a:extLst>
+          </p:cNvPr>
+          <p:cNvSpPr txBox="1"/>
+          <p:nvPr/>
+        </p:nvSpPr>
+        <p:spPr>
+          <a:xfrm>
+            <a:off x="9131498" y="2430277"/>
+            <a:ext cx="550151" cy="230832"/>
+          </a:xfrm>
+          <a:prstGeom prst="rect">
+            <a:avLst/>
+          </a:prstGeom>
+          <a:noFill/>
+        </p:spPr>
+        <p:txBody>
+          <a:bodyPr wrap="none" rtlCol="0">
+            <a:spAutoFit/>
+          </a:bodyPr>
+          <a:lstStyle/>
+          <a:p>
+            <a:r>
+              <a:rPr lang="en-US" altLang="ko-KR" sz="900" dirty="0"/>
+              <a:t>Python</a:t>
+            </a:r>
+            <a:endParaRPr lang="ko-KR" altLang="en-US" sz="900" dirty="0"/>
+          </a:p>
+        </p:txBody>
+      </p:sp>
+      <p:cxnSp>
+        <p:nvCxnSpPr>
+          <p:cNvPr id="100" name="직선 연결선 99">
+            <a:extLst>
+              <a:ext uri="{FF2B5EF4-FFF2-40B4-BE49-F238E27FC236}">
+                <a16:creationId xmlns:a16="http://schemas.microsoft.com/office/drawing/2014/main" id="{80E4B0CB-19F3-4685-80ED-90DC544157B2}"/>
+              </a:ext>
+            </a:extLst>
+          </p:cNvPr>
+          <p:cNvCxnSpPr/>
+          <p:nvPr/>
+        </p:nvCxnSpPr>
+        <p:spPr>
+          <a:xfrm flipH="1">
+            <a:off x="4238309" y="5224853"/>
+            <a:ext cx="1204755" cy="1185788"/>
+          </a:xfrm>
+          <a:prstGeom prst="line">
+            <a:avLst/>
+          </a:prstGeom>
+        </p:spPr>
+        <p:style>
+          <a:lnRef idx="1">
+            <a:schemeClr val="accent1"/>
+          </a:lnRef>
+          <a:fillRef idx="0">
+            <a:schemeClr val="accent1"/>
+          </a:fillRef>
+          <a:effectRef idx="0">
+            <a:schemeClr val="accent1"/>
+          </a:effectRef>
+          <a:fontRef idx="minor">
+            <a:schemeClr val="tx1"/>
+          </a:fontRef>
+        </p:style>
+      </p:cxnSp>
+      <p:sp>
+        <p:nvSpPr>
+          <p:cNvPr id="2" name="사각형: 둥근 모서리 1">
+            <a:extLst>
+              <a:ext uri="{FF2B5EF4-FFF2-40B4-BE49-F238E27FC236}">
+                <a16:creationId xmlns:a16="http://schemas.microsoft.com/office/drawing/2014/main" id="{7B59FEA3-32ED-4EB3-943A-E6C67430A57C}"/>
+              </a:ext>
+            </a:extLst>
+          </p:cNvPr>
+          <p:cNvSpPr/>
+          <p:nvPr/>
+        </p:nvSpPr>
+        <p:spPr>
+          <a:xfrm>
+            <a:off x="5250319" y="1670462"/>
+            <a:ext cx="743329" cy="197169"/>
+          </a:xfrm>
+          <a:prstGeom prst="roundRect">
+            <a:avLst/>
+          </a:prstGeom>
+        </p:spPr>
+        <p:style>
+          <a:lnRef idx="2">
+            <a:schemeClr val="accent1">
+              <a:shade val="50000"/>
+            </a:schemeClr>
+          </a:lnRef>
+          <a:fillRef idx="1">
+            <a:schemeClr val="accent1"/>
+          </a:fillRef>
+          <a:effectRef idx="0">
+            <a:schemeClr val="accent1"/>
+          </a:effectRef>
+          <a:fontRef idx="minor">
+            <a:schemeClr val="lt1"/>
+          </a:fontRef>
+        </p:style>
+        <p:txBody>
+          <a:bodyPr rtlCol="0" anchor="ctr"/>
+          <a:lstStyle/>
+          <a:p>
+            <a:pPr algn="ctr"/>
+            <a:r>
+              <a:rPr lang="en-US" altLang="ko-KR" dirty="0"/>
+              <a:t>Rest</a:t>
+            </a:r>
+            <a:endParaRPr lang="ko-KR" altLang="en-US" dirty="0"/>
+          </a:p>
+        </p:txBody>
+      </p:sp>
     </p:spTree>
     <p:extLst>
       <p:ext uri="{BB962C8B-B14F-4D97-AF65-F5344CB8AC3E}">
         <p14:creationId xmlns:p14="http://schemas.microsoft.com/office/powerpoint/2010/main" val="3211629601"/>
+      </p:ext>
+    </p:extLst>
+  </p:cSld>
+  <p:clrMapOvr>
+    <a:masterClrMapping/>
+  </p:clrMapOvr>
+</p:sld>
+</file>
+
+<file path=ppt/slides/slide3.xml><?xml version="1.0" encoding="utf-8"?>
+<p:sld xmlns:a="http://schemas.openxmlformats.org/drawingml/2006/main" xmlns:r="http://schemas.openxmlformats.org/officeDocument/2006/relationships" xmlns:p="http://schemas.openxmlformats.org/presentationml/2006/main">
+  <p:cSld>
+    <p:spTree>
+      <p:nvGrpSpPr>
+        <p:cNvPr id="1" name=""/>
+        <p:cNvGrpSpPr/>
+        <p:nvPr/>
+      </p:nvGrpSpPr>
+      <p:grpSpPr>
+        <a:xfrm>
+          <a:off x="0" y="0"/>
+          <a:ext cx="0" cy="0"/>
+          <a:chOff x="0" y="0"/>
+          <a:chExt cx="0" cy="0"/>
+        </a:xfrm>
+      </p:grpSpPr>
+      <p:sp>
+        <p:nvSpPr>
+          <p:cNvPr id="2" name="제목 1">
+            <a:extLst>
+              <a:ext uri="{FF2B5EF4-FFF2-40B4-BE49-F238E27FC236}">
+                <a16:creationId xmlns:a16="http://schemas.microsoft.com/office/drawing/2014/main" id="{1A06B8FB-F686-477C-B264-EB8B2006B7F8}"/>
+              </a:ext>
+            </a:extLst>
+          </p:cNvPr>
+          <p:cNvSpPr>
+            <a:spLocks noGrp="1"/>
+          </p:cNvSpPr>
+          <p:nvPr>
+            <p:ph type="title"/>
+          </p:nvPr>
+        </p:nvSpPr>
+        <p:spPr/>
+        <p:txBody>
+          <a:bodyPr/>
+          <a:lstStyle/>
+          <a:p>
+            <a:r>
+              <a:rPr lang="en-US" altLang="ko-KR" dirty="0"/>
+              <a:t>Compiler</a:t>
+            </a:r>
+            <a:endParaRPr lang="ko-KR" altLang="en-US" dirty="0"/>
+          </a:p>
+        </p:txBody>
+      </p:sp>
+      <p:sp>
+        <p:nvSpPr>
+          <p:cNvPr id="3" name="내용 개체 틀 2">
+            <a:extLst>
+              <a:ext uri="{FF2B5EF4-FFF2-40B4-BE49-F238E27FC236}">
+                <a16:creationId xmlns:a16="http://schemas.microsoft.com/office/drawing/2014/main" id="{4F4B8C1E-2283-4D42-AE54-58A7C1774151}"/>
+              </a:ext>
+            </a:extLst>
+          </p:cNvPr>
+          <p:cNvSpPr>
+            <a:spLocks noGrp="1"/>
+          </p:cNvSpPr>
+          <p:nvPr>
+            <p:ph idx="1"/>
+          </p:nvPr>
+        </p:nvSpPr>
+        <p:spPr/>
+        <p:txBody>
+          <a:bodyPr/>
+          <a:lstStyle/>
+          <a:p>
+            <a:r>
+              <a:rPr lang="en-US" altLang="ko-KR" dirty="0"/>
+              <a:t>Input: Input.ds (+ </a:t>
+            </a:r>
+            <a:r>
+              <a:rPr lang="en-US" altLang="ko-KR" dirty="0" err="1"/>
+              <a:t>input.ds.ui</a:t>
+            </a:r>
+            <a:r>
+              <a:rPr lang="en-US" altLang="ko-KR" dirty="0"/>
+              <a:t>)</a:t>
+            </a:r>
+          </a:p>
+          <a:p>
+            <a:r>
+              <a:rPr lang="en-US" altLang="ko-KR" dirty="0"/>
+              <a:t>Output</a:t>
+            </a:r>
+          </a:p>
+          <a:p>
+            <a:pPr lvl="1"/>
+            <a:r>
+              <a:rPr lang="en-US" altLang="ko-KR" dirty="0" err="1"/>
+              <a:t>Compiled.cds</a:t>
+            </a:r>
+            <a:endParaRPr lang="en-US" altLang="ko-KR" dirty="0"/>
+          </a:p>
+          <a:p>
+            <a:pPr lvl="2"/>
+            <a:r>
+              <a:rPr lang="en-US" altLang="ko-KR" dirty="0"/>
+              <a:t>Macro(@) </a:t>
+            </a:r>
+            <a:r>
+              <a:rPr lang="ko-KR" altLang="en-US" dirty="0"/>
+              <a:t>확장</a:t>
+            </a:r>
+            <a:endParaRPr lang="en-US" altLang="ko-KR" dirty="0"/>
+          </a:p>
+          <a:p>
+            <a:pPr lvl="2"/>
+            <a:r>
+              <a:rPr lang="en-US" altLang="ko-KR" dirty="0"/>
+              <a:t>!#import </a:t>
+            </a:r>
+            <a:r>
+              <a:rPr lang="ko-KR" altLang="en-US" dirty="0"/>
+              <a:t>처리</a:t>
+            </a:r>
+            <a:endParaRPr lang="en-US" altLang="ko-KR" dirty="0"/>
+          </a:p>
+          <a:p>
+            <a:pPr lvl="1"/>
+            <a:r>
+              <a:rPr lang="en-US" altLang="ko-KR" dirty="0" err="1"/>
+              <a:t>Hmi.json</a:t>
+            </a:r>
+            <a:endParaRPr lang="en-US" altLang="ko-KR" dirty="0"/>
+          </a:p>
+          <a:p>
+            <a:pPr lvl="2"/>
+            <a:r>
+              <a:rPr lang="en-US" altLang="ko-KR" dirty="0"/>
+              <a:t>Html </a:t>
+            </a:r>
+            <a:r>
+              <a:rPr lang="ko-KR" altLang="en-US" dirty="0"/>
+              <a:t>에 실어 보냄</a:t>
+            </a:r>
+            <a:r>
+              <a:rPr lang="en-US" altLang="ko-KR" dirty="0"/>
+              <a:t>.  Client </a:t>
+            </a:r>
+            <a:r>
+              <a:rPr lang="ko-KR" altLang="en-US" dirty="0"/>
+              <a:t>에서 </a:t>
+            </a:r>
+            <a:r>
+              <a:rPr lang="en-US" altLang="ko-KR" dirty="0"/>
+              <a:t>UI </a:t>
+            </a:r>
+            <a:r>
+              <a:rPr lang="ko-KR" altLang="en-US" dirty="0"/>
+              <a:t>생성</a:t>
+            </a:r>
+            <a:endParaRPr lang="en-US" altLang="ko-KR" dirty="0"/>
+          </a:p>
+          <a:p>
+            <a:r>
+              <a:rPr lang="en-US" altLang="ko-KR" dirty="0"/>
+              <a:t>Tool</a:t>
+            </a:r>
+          </a:p>
+          <a:p>
+            <a:pPr lvl="1"/>
+            <a:r>
+              <a:rPr lang="en-US" altLang="ko-KR" dirty="0"/>
+              <a:t>Grammar parser</a:t>
+            </a:r>
+            <a:endParaRPr lang="ko-KR" altLang="en-US" dirty="0"/>
+          </a:p>
+        </p:txBody>
+      </p:sp>
+    </p:spTree>
+    <p:extLst>
+      <p:ext uri="{BB962C8B-B14F-4D97-AF65-F5344CB8AC3E}">
+        <p14:creationId xmlns:p14="http://schemas.microsoft.com/office/powerpoint/2010/main" val="1128100648"/>
+      </p:ext>
+    </p:extLst>
+  </p:cSld>
+  <p:clrMapOvr>
+    <a:masterClrMapping/>
+  </p:clrMapOvr>
+</p:sld>
+</file>
+
+<file path=ppt/slides/slide4.xml><?xml version="1.0" encoding="utf-8"?>
+<p:sld xmlns:a="http://schemas.openxmlformats.org/drawingml/2006/main" xmlns:r="http://schemas.openxmlformats.org/officeDocument/2006/relationships" xmlns:p="http://schemas.openxmlformats.org/presentationml/2006/main">
+  <p:cSld>
+    <p:spTree>
+      <p:nvGrpSpPr>
+        <p:cNvPr id="1" name=""/>
+        <p:cNvGrpSpPr/>
+        <p:nvPr/>
+      </p:nvGrpSpPr>
+      <p:grpSpPr>
+        <a:xfrm>
+          <a:off x="0" y="0"/>
+          <a:ext cx="0" cy="0"/>
+          <a:chOff x="0" y="0"/>
+          <a:chExt cx="0" cy="0"/>
+        </a:xfrm>
+      </p:grpSpPr>
+      <p:sp>
+        <p:nvSpPr>
+          <p:cNvPr id="2" name="제목 1">
+            <a:extLst>
+              <a:ext uri="{FF2B5EF4-FFF2-40B4-BE49-F238E27FC236}">
+                <a16:creationId xmlns:a16="http://schemas.microsoft.com/office/drawing/2014/main" id="{EEB246DE-8A39-435F-8777-5FF5D1C73DEA}"/>
+              </a:ext>
+            </a:extLst>
+          </p:cNvPr>
+          <p:cNvSpPr>
+            <a:spLocks noGrp="1"/>
+          </p:cNvSpPr>
+          <p:nvPr>
+            <p:ph type="title"/>
+          </p:nvPr>
+        </p:nvSpPr>
+        <p:spPr/>
+        <p:txBody>
+          <a:bodyPr/>
+          <a:lstStyle/>
+          <a:p>
+            <a:r>
+              <a:rPr lang="en-US" altLang="ko-KR" dirty="0"/>
+              <a:t>Core engine</a:t>
+            </a:r>
+            <a:endParaRPr lang="ko-KR" altLang="en-US" dirty="0"/>
+          </a:p>
+        </p:txBody>
+      </p:sp>
+      <p:sp>
+        <p:nvSpPr>
+          <p:cNvPr id="3" name="내용 개체 틀 2">
+            <a:extLst>
+              <a:ext uri="{FF2B5EF4-FFF2-40B4-BE49-F238E27FC236}">
+                <a16:creationId xmlns:a16="http://schemas.microsoft.com/office/drawing/2014/main" id="{750E3412-9DAA-4439-B511-118D7C5BE8E4}"/>
+              </a:ext>
+            </a:extLst>
+          </p:cNvPr>
+          <p:cNvSpPr>
+            <a:spLocks noGrp="1"/>
+          </p:cNvSpPr>
+          <p:nvPr>
+            <p:ph idx="1"/>
+          </p:nvPr>
+        </p:nvSpPr>
+        <p:spPr/>
+        <p:txBody>
+          <a:bodyPr/>
+          <a:lstStyle/>
+          <a:p>
+            <a:endParaRPr lang="ko-KR" altLang="en-US" dirty="0"/>
+          </a:p>
+        </p:txBody>
+      </p:sp>
+    </p:spTree>
+    <p:extLst>
+      <p:ext uri="{BB962C8B-B14F-4D97-AF65-F5344CB8AC3E}">
+        <p14:creationId xmlns:p14="http://schemas.microsoft.com/office/powerpoint/2010/main" val="1760174169"/>
+      </p:ext>
+    </p:extLst>
+  </p:cSld>
+  <p:clrMapOvr>
+    <a:masterClrMapping/>
+  </p:clrMapOvr>
+</p:sld>
+</file>
+
+<file path=ppt/slides/slide5.xml><?xml version="1.0" encoding="utf-8"?>
+<p:sld xmlns:a="http://schemas.openxmlformats.org/drawingml/2006/main" xmlns:r="http://schemas.openxmlformats.org/officeDocument/2006/relationships" xmlns:p="http://schemas.openxmlformats.org/presentationml/2006/main">
+  <p:cSld>
+    <p:spTree>
+      <p:nvGrpSpPr>
+        <p:cNvPr id="1" name=""/>
+        <p:cNvGrpSpPr/>
+        <p:nvPr/>
+      </p:nvGrpSpPr>
+      <p:grpSpPr>
+        <a:xfrm>
+          <a:off x="0" y="0"/>
+          <a:ext cx="0" cy="0"/>
+          <a:chOff x="0" y="0"/>
+          <a:chExt cx="0" cy="0"/>
+        </a:xfrm>
+      </p:grpSpPr>
+      <p:sp>
+        <p:nvSpPr>
+          <p:cNvPr id="2" name="제목 1">
+            <a:extLst>
+              <a:ext uri="{FF2B5EF4-FFF2-40B4-BE49-F238E27FC236}">
+                <a16:creationId xmlns:a16="http://schemas.microsoft.com/office/drawing/2014/main" id="{45FC519B-AA95-4EF7-916D-40C7ECE2A27D}"/>
+              </a:ext>
+            </a:extLst>
+          </p:cNvPr>
+          <p:cNvSpPr>
+            <a:spLocks noGrp="1"/>
+          </p:cNvSpPr>
+          <p:nvPr>
+            <p:ph type="title"/>
+          </p:nvPr>
+        </p:nvSpPr>
+        <p:spPr/>
+        <p:txBody>
+          <a:bodyPr/>
+          <a:lstStyle/>
+          <a:p>
+            <a:r>
+              <a:rPr lang="en-US" altLang="ko-KR" dirty="0"/>
+              <a:t>OPC Client/Server</a:t>
+            </a:r>
+            <a:endParaRPr lang="ko-KR" altLang="en-US" dirty="0"/>
+          </a:p>
+        </p:txBody>
+      </p:sp>
+      <p:sp>
+        <p:nvSpPr>
+          <p:cNvPr id="3" name="내용 개체 틀 2">
+            <a:extLst>
+              <a:ext uri="{FF2B5EF4-FFF2-40B4-BE49-F238E27FC236}">
+                <a16:creationId xmlns:a16="http://schemas.microsoft.com/office/drawing/2014/main" id="{923440B2-E9C6-420D-BDC2-ED9C15120B3E}"/>
+              </a:ext>
+            </a:extLst>
+          </p:cNvPr>
+          <p:cNvSpPr>
+            <a:spLocks noGrp="1"/>
+          </p:cNvSpPr>
+          <p:nvPr>
+            <p:ph idx="1"/>
+          </p:nvPr>
+        </p:nvSpPr>
+        <p:spPr/>
+        <p:txBody>
+          <a:bodyPr/>
+          <a:lstStyle/>
+          <a:p>
+            <a:r>
+              <a:rPr lang="en-US" altLang="ko-KR" dirty="0"/>
+              <a:t>Price</a:t>
+            </a:r>
+          </a:p>
+          <a:p>
+            <a:pPr lvl="1"/>
+            <a:r>
+              <a:rPr lang="en-US" altLang="ko-KR" dirty="0"/>
+              <a:t>Python : LGPL,</a:t>
+            </a:r>
+          </a:p>
+          <a:p>
+            <a:pPr lvl="1"/>
+            <a:r>
+              <a:rPr lang="en-US" altLang="ko-KR" dirty="0"/>
+              <a:t>node.js (node-</a:t>
+            </a:r>
+            <a:r>
+              <a:rPr lang="en-US" altLang="ko-KR" dirty="0" err="1"/>
+              <a:t>opcua</a:t>
+            </a:r>
+            <a:r>
+              <a:rPr lang="en-US" altLang="ko-KR" dirty="0"/>
+              <a:t>) : Free</a:t>
+            </a:r>
+          </a:p>
+          <a:p>
+            <a:r>
+              <a:rPr lang="en-US" altLang="ko-KR" dirty="0" err="1"/>
+              <a:t>Add_Variable</a:t>
+            </a:r>
+            <a:r>
+              <a:rPr lang="en-US" altLang="ko-KR" dirty="0"/>
+              <a:t>() </a:t>
+            </a:r>
+            <a:r>
+              <a:rPr lang="ko-KR" altLang="en-US" dirty="0"/>
+              <a:t>지원 여부</a:t>
+            </a:r>
+            <a:endParaRPr lang="en-US" altLang="ko-KR" dirty="0"/>
+          </a:p>
+          <a:p>
+            <a:pPr lvl="1"/>
+            <a:r>
+              <a:rPr lang="en-US" altLang="ko-KR" b="0" u="sng" dirty="0">
+                <a:solidFill>
+                  <a:srgbClr val="D4D4D4"/>
+                </a:solidFill>
+                <a:effectLst/>
+                <a:latin typeface="Consolas" panose="020B0609020204030204" pitchFamily="49" charset="0"/>
+              </a:rPr>
+              <a:t>https://dl.gi.de/bitstream/handle/20.500.12116/34742/C4-8.pdf?sequence=1&amp;isAllowed=y</a:t>
+            </a:r>
+            <a:endParaRPr lang="en-US" altLang="ko-KR" b="0" dirty="0">
+              <a:solidFill>
+                <a:srgbClr val="D4D4D4"/>
+              </a:solidFill>
+              <a:effectLst/>
+              <a:latin typeface="Consolas" panose="020B0609020204030204" pitchFamily="49" charset="0"/>
+            </a:endParaRPr>
+          </a:p>
+          <a:p>
+            <a:r>
+              <a:rPr lang="en-US" altLang="ko-KR" dirty="0"/>
+              <a:t>OPC client</a:t>
+            </a:r>
+          </a:p>
+          <a:p>
+            <a:pPr lvl="1"/>
+            <a:r>
+              <a:rPr lang="en-US" altLang="ko-KR" dirty="0"/>
+              <a:t>HMI : </a:t>
+            </a:r>
+            <a:r>
+              <a:rPr lang="en-US" altLang="ko-KR" dirty="0" err="1"/>
+              <a:t>javascript</a:t>
+            </a:r>
+            <a:r>
+              <a:rPr lang="en-US" altLang="ko-KR" dirty="0"/>
+              <a:t> </a:t>
+            </a:r>
+            <a:r>
+              <a:rPr lang="ko-KR" altLang="en-US" dirty="0"/>
+              <a:t>필수</a:t>
+            </a:r>
+          </a:p>
+        </p:txBody>
+      </p:sp>
+    </p:spTree>
+    <p:extLst>
+      <p:ext uri="{BB962C8B-B14F-4D97-AF65-F5344CB8AC3E}">
+        <p14:creationId xmlns:p14="http://schemas.microsoft.com/office/powerpoint/2010/main" val="2595875824"/>
+      </p:ext>
+    </p:extLst>
+  </p:cSld>
+  <p:clrMapOvr>
+    <a:masterClrMapping/>
+  </p:clrMapOvr>
+</p:sld>
+</file>
+
+<file path=ppt/slides/slide6.xml><?xml version="1.0" encoding="utf-8"?>
+<p:sld xmlns:a="http://schemas.openxmlformats.org/drawingml/2006/main" xmlns:r="http://schemas.openxmlformats.org/officeDocument/2006/relationships" xmlns:p="http://schemas.openxmlformats.org/presentationml/2006/main">
+  <p:cSld>
+    <p:spTree>
+      <p:nvGrpSpPr>
+        <p:cNvPr id="1" name=""/>
+        <p:cNvGrpSpPr/>
+        <p:nvPr/>
+      </p:nvGrpSpPr>
+      <p:grpSpPr>
+        <a:xfrm>
+          <a:off x="0" y="0"/>
+          <a:ext cx="0" cy="0"/>
+          <a:chOff x="0" y="0"/>
+          <a:chExt cx="0" cy="0"/>
+        </a:xfrm>
+      </p:grpSpPr>
+      <p:sp>
+        <p:nvSpPr>
+          <p:cNvPr id="2" name="제목 1">
+            <a:extLst>
+              <a:ext uri="{FF2B5EF4-FFF2-40B4-BE49-F238E27FC236}">
+                <a16:creationId xmlns:a16="http://schemas.microsoft.com/office/drawing/2014/main" id="{0D0DBF5C-6BC2-4DFA-899A-EF40A66D7B74}"/>
+              </a:ext>
+            </a:extLst>
+          </p:cNvPr>
+          <p:cNvSpPr>
+            <a:spLocks noGrp="1"/>
+          </p:cNvSpPr>
+          <p:nvPr>
+            <p:ph type="title"/>
+          </p:nvPr>
+        </p:nvSpPr>
+        <p:spPr/>
+        <p:txBody>
+          <a:bodyPr/>
+          <a:lstStyle/>
+          <a:p>
+            <a:r>
+              <a:rPr lang="en-US" altLang="ko-KR" dirty="0"/>
+              <a:t>Editor : </a:t>
+            </a:r>
+            <a:r>
+              <a:rPr lang="en-US" altLang="ko-KR" dirty="0" err="1"/>
+              <a:t>LiteGraph</a:t>
+            </a:r>
+            <a:endParaRPr lang="ko-KR" altLang="en-US" dirty="0"/>
+          </a:p>
+        </p:txBody>
+      </p:sp>
+      <p:sp>
+        <p:nvSpPr>
+          <p:cNvPr id="3" name="내용 개체 틀 2">
+            <a:extLst>
+              <a:ext uri="{FF2B5EF4-FFF2-40B4-BE49-F238E27FC236}">
+                <a16:creationId xmlns:a16="http://schemas.microsoft.com/office/drawing/2014/main" id="{4AB3F4B0-9345-4F1B-84E7-78EE94685446}"/>
+              </a:ext>
+            </a:extLst>
+          </p:cNvPr>
+          <p:cNvSpPr>
+            <a:spLocks noGrp="1"/>
+          </p:cNvSpPr>
+          <p:nvPr>
+            <p:ph idx="1"/>
+          </p:nvPr>
+        </p:nvSpPr>
+        <p:spPr>
+          <a:xfrm>
+            <a:off x="838200" y="1825624"/>
+            <a:ext cx="5782408" cy="4751021"/>
+          </a:xfrm>
+        </p:spPr>
+        <p:txBody>
+          <a:bodyPr>
+            <a:normAutofit/>
+          </a:bodyPr>
+          <a:lstStyle/>
+          <a:p>
+            <a:r>
+              <a:rPr lang="en-US" altLang="ko-KR" dirty="0"/>
+              <a:t>Html, </a:t>
+            </a:r>
+            <a:r>
+              <a:rPr lang="en-US" altLang="ko-KR" dirty="0" err="1"/>
+              <a:t>js</a:t>
+            </a:r>
+            <a:r>
+              <a:rPr lang="en-US" altLang="ko-KR" dirty="0"/>
+              <a:t> </a:t>
+            </a:r>
+            <a:r>
+              <a:rPr lang="ko-KR" altLang="en-US" dirty="0"/>
+              <a:t>기반</a:t>
+            </a:r>
+            <a:endParaRPr lang="en-US" altLang="ko-KR" dirty="0"/>
+          </a:p>
+          <a:p>
+            <a:r>
+              <a:rPr lang="ko-KR" altLang="en-US" dirty="0"/>
+              <a:t>문제점</a:t>
+            </a:r>
+            <a:endParaRPr lang="en-US" altLang="ko-KR" dirty="0"/>
+          </a:p>
+          <a:p>
+            <a:pPr lvl="1"/>
+            <a:r>
+              <a:rPr lang="en-US" altLang="ko-KR" dirty="0"/>
+              <a:t>Edge</a:t>
+            </a:r>
+            <a:r>
+              <a:rPr lang="ko-KR" altLang="en-US" dirty="0"/>
+              <a:t> 중첩 안됨</a:t>
+            </a:r>
+            <a:endParaRPr lang="en-US" altLang="ko-KR" dirty="0"/>
+          </a:p>
+          <a:p>
+            <a:pPr lvl="1"/>
+            <a:r>
+              <a:rPr lang="en-US" altLang="ko-KR" dirty="0"/>
+              <a:t>Subgraph view </a:t>
+            </a:r>
+            <a:r>
+              <a:rPr lang="ko-KR" altLang="en-US" dirty="0"/>
+              <a:t>시</a:t>
+            </a:r>
+            <a:r>
+              <a:rPr lang="en-US" altLang="ko-KR" dirty="0"/>
+              <a:t>: </a:t>
+            </a:r>
+            <a:r>
+              <a:rPr lang="ko-KR" altLang="en-US" dirty="0"/>
+              <a:t>화면 전환</a:t>
+            </a:r>
+            <a:endParaRPr lang="en-US" altLang="ko-KR" dirty="0"/>
+          </a:p>
+          <a:p>
+            <a:pPr lvl="1"/>
+            <a:r>
+              <a:rPr lang="en-US" altLang="ko-KR" dirty="0"/>
+              <a:t>Remote</a:t>
+            </a:r>
+            <a:r>
+              <a:rPr lang="ko-KR" altLang="en-US" dirty="0"/>
+              <a:t> </a:t>
+            </a:r>
+            <a:r>
+              <a:rPr lang="en-US" altLang="ko-KR" dirty="0"/>
+              <a:t>editor/monitor</a:t>
+            </a:r>
+            <a:r>
+              <a:rPr lang="ko-KR" altLang="en-US" dirty="0"/>
+              <a:t> 에서도 동일 방식 지원</a:t>
+            </a:r>
+            <a:endParaRPr lang="en-US" altLang="ko-KR" dirty="0"/>
+          </a:p>
+          <a:p>
+            <a:pPr lvl="1"/>
+            <a:endParaRPr lang="ko-KR" altLang="en-US" dirty="0"/>
+          </a:p>
+        </p:txBody>
+      </p:sp>
+      <p:pic>
+        <p:nvPicPr>
+          <p:cNvPr id="9" name="그림 8">
+            <a:extLst>
+              <a:ext uri="{FF2B5EF4-FFF2-40B4-BE49-F238E27FC236}">
+                <a16:creationId xmlns:a16="http://schemas.microsoft.com/office/drawing/2014/main" id="{7A269326-31C2-4E56-919D-01C2F0B59812}"/>
+              </a:ext>
+            </a:extLst>
+          </p:cNvPr>
+          <p:cNvPicPr>
+            <a:picLocks noChangeAspect="1"/>
+          </p:cNvPicPr>
+          <p:nvPr/>
+        </p:nvPicPr>
+        <p:blipFill>
+          <a:blip r:embed="rId2">
+            <a:extLst>
+              <a:ext uri="{28A0092B-C50C-407E-A947-70E740481C1C}">
+                <a14:useLocalDpi xmlns:a14="http://schemas.microsoft.com/office/drawing/2010/main" val="0"/>
+              </a:ext>
+            </a:extLst>
+          </a:blip>
+          <a:stretch>
+            <a:fillRect/>
+          </a:stretch>
+        </p:blipFill>
+        <p:spPr>
+          <a:xfrm>
+            <a:off x="6870122" y="2211265"/>
+            <a:ext cx="3856494" cy="3856494"/>
+          </a:xfrm>
+          <a:prstGeom prst="rect">
+            <a:avLst/>
+          </a:prstGeom>
+        </p:spPr>
+      </p:pic>
+    </p:spTree>
+    <p:extLst>
+      <p:ext uri="{BB962C8B-B14F-4D97-AF65-F5344CB8AC3E}">
+        <p14:creationId xmlns:p14="http://schemas.microsoft.com/office/powerpoint/2010/main" val="4180885607"/>
       </p:ext>
     </p:extLst>
   </p:cSld>
